--- a/doc/LIGHTNING 超大规模数据处理框架.pptx
+++ b/doc/LIGHTNING 超大规模数据处理框架.pptx
@@ -5,7 +5,7 @@
     <p:sldMasterId id="2147483648" r:id="rId1"/>
   </p:sldMasterIdLst>
   <p:notesMasterIdLst>
-    <p:notesMasterId r:id="rId10"/>
+    <p:notesMasterId r:id="rId9"/>
   </p:notesMasterIdLst>
   <p:sldIdLst>
     <p:sldId id="344" r:id="rId2"/>
@@ -14,13 +14,12 @@
     <p:sldId id="349" r:id="rId5"/>
     <p:sldId id="365" r:id="rId6"/>
     <p:sldId id="350" r:id="rId7"/>
-    <p:sldId id="366" r:id="rId8"/>
-    <p:sldId id="348" r:id="rId9"/>
+    <p:sldId id="348" r:id="rId8"/>
   </p:sldIdLst>
   <p:sldSz cx="9144000" cy="5143500" type="screen16x9"/>
   <p:notesSz cx="6858000" cy="9144000"/>
   <p:custDataLst>
-    <p:tags r:id="rId11"/>
+    <p:tags r:id="rId10"/>
   </p:custDataLst>
   <p:defaultTextStyle>
     <a:defPPr>
@@ -218,7 +217,7 @@
           <a:p>
             <a:fld id="{3B25D477-AE64-46E1-9AB5-695E408BAA85}" type="datetimeFigureOut">
               <a:rPr lang="zh-CN" altLang="en-US" smtClean="0"/>
-              <a:t>2020/9/17</a:t>
+              <a:t>2020/10/8</a:t>
             </a:fld>
             <a:endParaRPr lang="zh-CN" altLang="en-US"/>
           </a:p>
@@ -1052,93 +1051,9 @@
           <a:bodyPr/>
           <a:lstStyle/>
           <a:p>
-            <a:fld id="{5DEECC6B-0D75-40C4-9779-324848984028}" type="slidenum">
+            <a:fld id="{6BA23211-66F3-4E52-BE2E-D8A9E8DA1D06}" type="slidenum">
               <a:rPr lang="zh-CN" altLang="en-US" smtClean="0"/>
               <a:t>7</a:t>
-            </a:fld>
-            <a:endParaRPr lang="zh-CN" altLang="en-US"/>
-          </a:p>
-        </p:txBody>
-      </p:sp>
-    </p:spTree>
-    <p:extLst>
-      <p:ext uri="{BB962C8B-B14F-4D97-AF65-F5344CB8AC3E}">
-        <p14:creationId xmlns:p14="http://schemas.microsoft.com/office/powerpoint/2010/main" val="3903641130"/>
-      </p:ext>
-    </p:extLst>
-  </p:cSld>
-  <p:clrMapOvr>
-    <a:masterClrMapping/>
-  </p:clrMapOvr>
-</p:notes>
-</file>
-
-<file path=ppt/notesSlides/notesSlide8.xml><?xml version="1.0" encoding="utf-8"?>
-<p:notes xmlns:a="http://schemas.openxmlformats.org/drawingml/2006/main" xmlns:r="http://schemas.openxmlformats.org/officeDocument/2006/relationships" xmlns:p="http://schemas.openxmlformats.org/presentationml/2006/main">
-  <p:cSld>
-    <p:spTree>
-      <p:nvGrpSpPr>
-        <p:cNvPr id="1" name=""/>
-        <p:cNvGrpSpPr/>
-        <p:nvPr/>
-      </p:nvGrpSpPr>
-      <p:grpSpPr>
-        <a:xfrm>
-          <a:off x="0" y="0"/>
-          <a:ext cx="0" cy="0"/>
-          <a:chOff x="0" y="0"/>
-          <a:chExt cx="0" cy="0"/>
-        </a:xfrm>
-      </p:grpSpPr>
-      <p:sp>
-        <p:nvSpPr>
-          <p:cNvPr id="2" name="幻灯片图像占位符 1"/>
-          <p:cNvSpPr>
-            <a:spLocks noGrp="1" noRot="1" noChangeAspect="1"/>
-          </p:cNvSpPr>
-          <p:nvPr>
-            <p:ph type="sldImg"/>
-          </p:nvPr>
-        </p:nvSpPr>
-        <p:spPr/>
-      </p:sp>
-      <p:sp>
-        <p:nvSpPr>
-          <p:cNvPr id="3" name="备注占位符 2"/>
-          <p:cNvSpPr>
-            <a:spLocks noGrp="1"/>
-          </p:cNvSpPr>
-          <p:nvPr>
-            <p:ph type="body" idx="1"/>
-          </p:nvPr>
-        </p:nvSpPr>
-        <p:spPr/>
-        <p:txBody>
-          <a:bodyPr/>
-          <a:lstStyle/>
-          <a:p>
-            <a:endParaRPr lang="zh-CN" altLang="en-US"/>
-          </a:p>
-        </p:txBody>
-      </p:sp>
-      <p:sp>
-        <p:nvSpPr>
-          <p:cNvPr id="4" name="灯片编号占位符 3"/>
-          <p:cNvSpPr>
-            <a:spLocks noGrp="1"/>
-          </p:cNvSpPr>
-          <p:nvPr>
-            <p:ph type="sldNum" sz="quarter" idx="10"/>
-          </p:nvPr>
-        </p:nvSpPr>
-        <p:spPr/>
-        <p:txBody>
-          <a:bodyPr/>
-          <a:lstStyle/>
-          <a:p>
-            <a:fld id="{6BA23211-66F3-4E52-BE2E-D8A9E8DA1D06}" type="slidenum">
-              <a:rPr lang="zh-CN" altLang="en-US" smtClean="0"/>
-              <a:t>8</a:t>
             </a:fld>
             <a:endParaRPr lang="zh-CN" altLang="en-US"/>
           </a:p>
@@ -1213,7 +1128,7 @@
       </p:grpSpPr>
       <p:sp>
         <p:nvSpPr>
-          <p:cNvPr id="5" name="任意多边形: 形状 4">
+          <p:cNvPr id="5" name="图片占位符 4">
             <a:extLst>
               <a:ext uri="{FF2B5EF4-FFF2-40B4-BE49-F238E27FC236}">
                 <a16:creationId xmlns:a16="http://schemas.microsoft.com/office/drawing/2014/main" id="{4A6739AC-5E1D-43DB-850B-8F36EC59F93F}"/>
@@ -1527,7 +1442,7 @@
             <a:fld id="{A429D539-5BED-47D2-AAB7-BD075F4C08FC}" type="datetimeFigureOut">
               <a:rPr lang="zh-CN" altLang="en-US" smtClean="0"/>
               <a:pPr/>
-              <a:t>2020/9/17</a:t>
+              <a:t>2020/10/8</a:t>
             </a:fld>
             <a:endParaRPr lang="zh-CN" altLang="en-US" dirty="0"/>
           </a:p>
@@ -4741,8 +4656,8 @@
       </p:transition>
     </mc:Fallback>
   </mc:AlternateContent>
-  <mc:AlternateContent xmlns:mc="http://schemas.openxmlformats.org/markup-compatibility/2006">
-    <mc:Choice xmlns:p14="http://schemas.microsoft.com/office/powerpoint/2010/main" Requires="p14">
+  <mc:AlternateContent xmlns:mc="http://schemas.openxmlformats.org/markup-compatibility/2006" xmlns:p14="http://schemas.microsoft.com/office/powerpoint/2010/main">
+    <mc:Choice Requires="p14">
       <p:timing>
         <p:tnLst>
           <p:par>
@@ -6784,7 +6699,7 @@
         </p:bldLst>
       </p:timing>
     </mc:Choice>
-    <mc:Fallback>
+    <mc:Fallback xmlns="">
       <p:timing>
         <p:tnLst>
           <p:par>
@@ -9845,8 +9760,8 @@
       </p:transition>
     </mc:Fallback>
   </mc:AlternateContent>
-  <mc:AlternateContent xmlns:mc="http://schemas.openxmlformats.org/markup-compatibility/2006">
-    <mc:Choice xmlns:p14="http://schemas.microsoft.com/office/powerpoint/2010/main" Requires="p14">
+  <mc:AlternateContent xmlns:mc="http://schemas.openxmlformats.org/markup-compatibility/2006" xmlns:p14="http://schemas.microsoft.com/office/powerpoint/2010/main">
+    <mc:Choice Requires="p14">
       <p:timing>
         <p:tnLst>
           <p:par>
@@ -10160,7 +10075,7 @@
         </p:bldLst>
       </p:timing>
     </mc:Choice>
-    <mc:Fallback>
+    <mc:Fallback xmlns="">
       <p:timing>
         <p:tnLst>
           <p:par>
@@ -27458,13 +27373,13 @@
   <p:clrMapOvr>
     <a:masterClrMapping/>
   </p:clrMapOvr>
-  <mc:AlternateContent xmlns:mc="http://schemas.openxmlformats.org/markup-compatibility/2006">
-    <mc:Choice xmlns:p14="http://schemas.microsoft.com/office/powerpoint/2010/main" Requires="p14">
+  <mc:AlternateContent xmlns:mc="http://schemas.openxmlformats.org/markup-compatibility/2006" xmlns:p14="http://schemas.microsoft.com/office/powerpoint/2010/main">
+    <mc:Choice Requires="p14">
       <p:transition spd="slow" p14:dur="1600">
         <p14:gallery dir="l"/>
       </p:transition>
     </mc:Choice>
-    <mc:Fallback>
+    <mc:Fallback xmlns="">
       <p:transition spd="slow">
         <p:fade/>
       </p:transition>
@@ -30185,2365 +30100,6 @@
           <a:chExt cx="0" cy="0"/>
         </a:xfrm>
       </p:grpSpPr>
-      <p:grpSp>
-        <p:nvGrpSpPr>
-          <p:cNvPr id="29" name="Group 17">
-            <a:extLst>
-              <a:ext uri="{FF2B5EF4-FFF2-40B4-BE49-F238E27FC236}">
-                <a16:creationId xmlns:a16="http://schemas.microsoft.com/office/drawing/2014/main" id="{C6463601-562D-4884-9082-E75754A8C132}"/>
-              </a:ext>
-            </a:extLst>
-          </p:cNvPr>
-          <p:cNvGrpSpPr/>
-          <p:nvPr/>
-        </p:nvGrpSpPr>
-        <p:grpSpPr>
-          <a:xfrm>
-            <a:off x="966250" y="1284532"/>
-            <a:ext cx="1925394" cy="633348"/>
-            <a:chOff x="1270036" y="1938955"/>
-            <a:chExt cx="2915451" cy="481643"/>
-          </a:xfrm>
-        </p:grpSpPr>
-        <p:sp>
-          <p:nvSpPr>
-            <p:cNvPr id="30" name="Footer Text">
-              <a:extLst>
-                <a:ext uri="{FF2B5EF4-FFF2-40B4-BE49-F238E27FC236}">
-                  <a16:creationId xmlns:a16="http://schemas.microsoft.com/office/drawing/2014/main" id="{A49BA75B-A6B2-4770-9ACB-337892730F52}"/>
-                </a:ext>
-              </a:extLst>
-            </p:cNvPr>
-            <p:cNvSpPr txBox="1"/>
-            <p:nvPr/>
-          </p:nvSpPr>
-          <p:spPr>
-            <a:xfrm>
-              <a:off x="1270036" y="2123251"/>
-              <a:ext cx="2915451" cy="297347"/>
-            </a:xfrm>
-            <a:prstGeom prst="rect">
-              <a:avLst/>
-            </a:prstGeom>
-            <a:noFill/>
-          </p:spPr>
-          <p:txBody>
-            <a:bodyPr wrap="square" lIns="0" tIns="0" rIns="0" bIns="0" rtlCol="0">
-              <a:spAutoFit/>
-            </a:bodyPr>
-            <a:lstStyle>
-              <a:defPPr>
-                <a:defRPr lang="zh-CN"/>
-              </a:defPPr>
-              <a:lvl1pPr algn="r">
-                <a:lnSpc>
-                  <a:spcPts val="2000"/>
-                </a:lnSpc>
-                <a:defRPr sz="1100">
-                  <a:solidFill>
-                    <a:schemeClr val="tx1">
-                      <a:lumMod val="85000"/>
-                      <a:lumOff val="15000"/>
-                    </a:schemeClr>
-                  </a:solidFill>
-                  <a:latin typeface="+mn-ea"/>
-                </a:defRPr>
-              </a:lvl1pPr>
-            </a:lstStyle>
-            <a:p>
-              <a:pPr algn="l">
-                <a:lnSpc>
-                  <a:spcPct val="150000"/>
-                </a:lnSpc>
-              </a:pPr>
-              <a:r>
-                <a:rPr lang="en-US" altLang="zh-CN" sz="900" dirty="0">
-                  <a:solidFill>
-                    <a:schemeClr val="bg1">
-                      <a:lumMod val="50000"/>
-                    </a:schemeClr>
-                  </a:solidFill>
-                  <a:latin typeface="微软雅黑" panose="020B0503020204020204" pitchFamily="34" charset="-122"/>
-                  <a:ea typeface="微软雅黑" panose="020B0503020204020204" pitchFamily="34" charset="-122"/>
-                  <a:cs typeface="+mn-ea"/>
-                  <a:sym typeface="+mn-lt"/>
-                </a:rPr>
-                <a:t>Eiffel</a:t>
-              </a:r>
-              <a:r>
-                <a:rPr lang="zh-CN" altLang="en-US" sz="900" dirty="0">
-                  <a:solidFill>
-                    <a:schemeClr val="bg1">
-                      <a:lumMod val="50000"/>
-                    </a:schemeClr>
-                  </a:solidFill>
-                  <a:latin typeface="微软雅黑" panose="020B0503020204020204" pitchFamily="34" charset="-122"/>
-                  <a:ea typeface="微软雅黑" panose="020B0503020204020204" pitchFamily="34" charset="-122"/>
-                  <a:cs typeface="+mn-ea"/>
-                  <a:sym typeface="+mn-lt"/>
-                </a:rPr>
-                <a:t>语言之父提出的命令</a:t>
-              </a:r>
-              <a:r>
-                <a:rPr lang="en-US" altLang="zh-CN" sz="900" dirty="0">
-                  <a:solidFill>
-                    <a:schemeClr val="bg1">
-                      <a:lumMod val="50000"/>
-                    </a:schemeClr>
-                  </a:solidFill>
-                  <a:latin typeface="微软雅黑" panose="020B0503020204020204" pitchFamily="34" charset="-122"/>
-                  <a:ea typeface="微软雅黑" panose="020B0503020204020204" pitchFamily="34" charset="-122"/>
-                  <a:cs typeface="+mn-ea"/>
-                  <a:sym typeface="+mn-lt"/>
-                </a:rPr>
-                <a:t>/</a:t>
-              </a:r>
-              <a:r>
-                <a:rPr lang="zh-CN" altLang="en-US" sz="900" dirty="0">
-                  <a:solidFill>
-                    <a:schemeClr val="bg1">
-                      <a:lumMod val="50000"/>
-                    </a:schemeClr>
-                  </a:solidFill>
-                  <a:latin typeface="微软雅黑" panose="020B0503020204020204" pitchFamily="34" charset="-122"/>
-                  <a:ea typeface="微软雅黑" panose="020B0503020204020204" pitchFamily="34" charset="-122"/>
-                  <a:cs typeface="+mn-ea"/>
-                  <a:sym typeface="+mn-lt"/>
-                </a:rPr>
-                <a:t>查询分离结构，降低复杂度和提高响应度</a:t>
-              </a:r>
-              <a:endParaRPr lang="en-US" altLang="zh-CN" sz="900" dirty="0">
-                <a:solidFill>
-                  <a:schemeClr val="bg1">
-                    <a:lumMod val="50000"/>
-                  </a:schemeClr>
-                </a:solidFill>
-                <a:latin typeface="微软雅黑" panose="020B0503020204020204" pitchFamily="34" charset="-122"/>
-                <a:ea typeface="微软雅黑" panose="020B0503020204020204" pitchFamily="34" charset="-122"/>
-                <a:cs typeface="+mn-ea"/>
-                <a:sym typeface="+mn-lt"/>
-              </a:endParaRPr>
-            </a:p>
-          </p:txBody>
-        </p:sp>
-        <p:sp>
-          <p:nvSpPr>
-            <p:cNvPr id="31" name="TextBox 26">
-              <a:extLst>
-                <a:ext uri="{FF2B5EF4-FFF2-40B4-BE49-F238E27FC236}">
-                  <a16:creationId xmlns:a16="http://schemas.microsoft.com/office/drawing/2014/main" id="{5720C59A-3BB1-49E3-8E77-3B25A6EA1C21}"/>
-                </a:ext>
-              </a:extLst>
-            </p:cNvPr>
-            <p:cNvSpPr txBox="1"/>
-            <p:nvPr/>
-          </p:nvSpPr>
-          <p:spPr>
-            <a:xfrm>
-              <a:off x="1506300" y="1938955"/>
-              <a:ext cx="932077" cy="154233"/>
-            </a:xfrm>
-            <a:prstGeom prst="rect">
-              <a:avLst/>
-            </a:prstGeom>
-            <a:noFill/>
-          </p:spPr>
-          <p:txBody>
-            <a:bodyPr wrap="none" lIns="0" tIns="0" rIns="0" bIns="0" rtlCol="0" anchor="ctr">
-              <a:spAutoFit/>
-            </a:bodyPr>
-            <a:lstStyle>
-              <a:defPPr>
-                <a:defRPr lang="zh-CN"/>
-              </a:defPPr>
-              <a:lvl1pPr>
-                <a:lnSpc>
-                  <a:spcPct val="120000"/>
-                </a:lnSpc>
-                <a:defRPr sz="1327">
-                  <a:solidFill>
-                    <a:schemeClr val="tx1">
-                      <a:lumMod val="85000"/>
-                      <a:lumOff val="15000"/>
-                    </a:schemeClr>
-                  </a:solidFill>
-                  <a:latin typeface="Arial" panose="020B0604020202020204" pitchFamily="34" charset="0"/>
-                  <a:ea typeface="微软雅黑" panose="020B0503020204020204" pitchFamily="34" charset="-122"/>
-                  <a:cs typeface="+mn-ea"/>
-                </a:defRPr>
-              </a:lvl1pPr>
-            </a:lstStyle>
-            <a:p>
-              <a:r>
-                <a:rPr lang="zh-CN" altLang="en-US" sz="1200" dirty="0">
-                  <a:solidFill>
-                    <a:srgbClr val="376092"/>
-                  </a:solidFill>
-                  <a:latin typeface="微软雅黑" panose="020B0503020204020204" pitchFamily="34" charset="-122"/>
-                  <a:sym typeface="+mn-lt"/>
-                </a:rPr>
-                <a:t>逻辑分离</a:t>
-              </a:r>
-              <a:endParaRPr lang="en-US" sz="1200" dirty="0">
-                <a:solidFill>
-                  <a:srgbClr val="376092"/>
-                </a:solidFill>
-                <a:latin typeface="微软雅黑" panose="020B0503020204020204" pitchFamily="34" charset="-122"/>
-                <a:sym typeface="+mn-lt"/>
-              </a:endParaRPr>
-            </a:p>
-          </p:txBody>
-        </p:sp>
-      </p:grpSp>
-      <p:grpSp>
-        <p:nvGrpSpPr>
-          <p:cNvPr id="32" name="Group 32">
-            <a:extLst>
-              <a:ext uri="{FF2B5EF4-FFF2-40B4-BE49-F238E27FC236}">
-                <a16:creationId xmlns:a16="http://schemas.microsoft.com/office/drawing/2014/main" id="{0E1B08DA-0AB9-4827-BC3D-47ADD670D49E}"/>
-              </a:ext>
-            </a:extLst>
-          </p:cNvPr>
-          <p:cNvGrpSpPr/>
-          <p:nvPr/>
-        </p:nvGrpSpPr>
-        <p:grpSpPr>
-          <a:xfrm>
-            <a:off x="596616" y="3628834"/>
-            <a:ext cx="2037672" cy="1028337"/>
-            <a:chOff x="844734" y="1945411"/>
-            <a:chExt cx="2287091" cy="716552"/>
-          </a:xfrm>
-        </p:grpSpPr>
-        <p:sp>
-          <p:nvSpPr>
-            <p:cNvPr id="33" name="Footer Text">
-              <a:extLst>
-                <a:ext uri="{FF2B5EF4-FFF2-40B4-BE49-F238E27FC236}">
-                  <a16:creationId xmlns:a16="http://schemas.microsoft.com/office/drawing/2014/main" id="{849D8466-CACE-43E7-9DC4-270A9B6C1598}"/>
-                </a:ext>
-              </a:extLst>
-            </p:cNvPr>
-            <p:cNvSpPr txBox="1"/>
-            <p:nvPr/>
-          </p:nvSpPr>
-          <p:spPr>
-            <a:xfrm>
-              <a:off x="844734" y="2099987"/>
-              <a:ext cx="2287091" cy="561976"/>
-            </a:xfrm>
-            <a:prstGeom prst="rect">
-              <a:avLst/>
-            </a:prstGeom>
-            <a:noFill/>
-          </p:spPr>
-          <p:txBody>
-            <a:bodyPr wrap="square" lIns="0" tIns="0" rIns="0" bIns="0" rtlCol="0">
-              <a:spAutoFit/>
-            </a:bodyPr>
-            <a:lstStyle>
-              <a:defPPr>
-                <a:defRPr lang="zh-CN"/>
-              </a:defPPr>
-              <a:lvl1pPr>
-                <a:lnSpc>
-                  <a:spcPts val="2000"/>
-                </a:lnSpc>
-                <a:defRPr sz="1100">
-                  <a:solidFill>
-                    <a:schemeClr val="tx1">
-                      <a:lumMod val="85000"/>
-                      <a:lumOff val="15000"/>
-                    </a:schemeClr>
-                  </a:solidFill>
-                  <a:latin typeface="+mn-ea"/>
-                </a:defRPr>
-              </a:lvl1pPr>
-            </a:lstStyle>
-            <a:p>
-              <a:pPr algn="r">
-                <a:lnSpc>
-                  <a:spcPct val="150000"/>
-                </a:lnSpc>
-              </a:pPr>
-              <a:r>
-                <a:rPr lang="zh-CN" altLang="en-US" sz="900" dirty="0">
-                  <a:solidFill>
-                    <a:schemeClr val="bg1">
-                      <a:lumMod val="50000"/>
-                    </a:schemeClr>
-                  </a:solidFill>
-                  <a:latin typeface="微软雅黑" panose="020B0503020204020204" pitchFamily="34" charset="-122"/>
-                  <a:ea typeface="微软雅黑" panose="020B0503020204020204" pitchFamily="34" charset="-122"/>
-                  <a:cs typeface="+mn-ea"/>
-                  <a:sym typeface="+mn-lt"/>
-                </a:rPr>
-                <a:t>采用消息机制和响应式编程，命令处理完毕后通过</a:t>
-              </a:r>
-              <a:r>
-                <a:rPr lang="en-US" altLang="zh-CN" sz="900" dirty="0">
-                  <a:solidFill>
-                    <a:schemeClr val="bg1">
-                      <a:lumMod val="50000"/>
-                    </a:schemeClr>
-                  </a:solidFill>
-                  <a:latin typeface="微软雅黑" panose="020B0503020204020204" pitchFamily="34" charset="-122"/>
-                  <a:ea typeface="微软雅黑" panose="020B0503020204020204" pitchFamily="34" charset="-122"/>
-                  <a:cs typeface="+mn-ea"/>
-                  <a:sym typeface="+mn-lt"/>
-                </a:rPr>
-                <a:t>callback</a:t>
-              </a:r>
-              <a:r>
-                <a:rPr lang="zh-CN" altLang="en-US" sz="900" dirty="0">
-                  <a:solidFill>
-                    <a:schemeClr val="bg1">
-                      <a:lumMod val="50000"/>
-                    </a:schemeClr>
-                  </a:solidFill>
-                  <a:latin typeface="微软雅黑" panose="020B0503020204020204" pitchFamily="34" charset="-122"/>
-                  <a:ea typeface="微软雅黑" panose="020B0503020204020204" pitchFamily="34" charset="-122"/>
-                  <a:cs typeface="+mn-ea"/>
-                  <a:sym typeface="+mn-lt"/>
-                </a:rPr>
-                <a:t>提供各种响应（</a:t>
-              </a:r>
-              <a:r>
-                <a:rPr lang="en-US" altLang="zh-CN" sz="900" dirty="0" err="1">
-                  <a:solidFill>
-                    <a:schemeClr val="bg1">
-                      <a:lumMod val="50000"/>
-                    </a:schemeClr>
-                  </a:solidFill>
-                  <a:latin typeface="微软雅黑" panose="020B0503020204020204" pitchFamily="34" charset="-122"/>
-                  <a:ea typeface="微软雅黑" panose="020B0503020204020204" pitchFamily="34" charset="-122"/>
-                  <a:cs typeface="+mn-ea"/>
-                  <a:sym typeface="+mn-lt"/>
-                </a:rPr>
-                <a:t>onComplete</a:t>
-              </a:r>
-              <a:r>
-                <a:rPr lang="en-US" altLang="zh-CN" sz="900" dirty="0">
-                  <a:solidFill>
-                    <a:schemeClr val="bg1">
-                      <a:lumMod val="50000"/>
-                    </a:schemeClr>
-                  </a:solidFill>
-                  <a:latin typeface="微软雅黑" panose="020B0503020204020204" pitchFamily="34" charset="-122"/>
-                  <a:ea typeface="微软雅黑" panose="020B0503020204020204" pitchFamily="34" charset="-122"/>
-                  <a:cs typeface="+mn-ea"/>
-                  <a:sym typeface="+mn-lt"/>
-                </a:rPr>
-                <a:t>, </a:t>
-              </a:r>
-              <a:r>
-                <a:rPr lang="en-US" altLang="zh-CN" sz="900" dirty="0" err="1">
-                  <a:solidFill>
-                    <a:schemeClr val="bg1">
-                      <a:lumMod val="50000"/>
-                    </a:schemeClr>
-                  </a:solidFill>
-                  <a:latin typeface="微软雅黑" panose="020B0503020204020204" pitchFamily="34" charset="-122"/>
-                  <a:ea typeface="微软雅黑" panose="020B0503020204020204" pitchFamily="34" charset="-122"/>
-                  <a:cs typeface="+mn-ea"/>
-                  <a:sym typeface="+mn-lt"/>
-                </a:rPr>
-                <a:t>onError</a:t>
-              </a:r>
-              <a:r>
-                <a:rPr lang="zh-CN" altLang="en-US" sz="900" dirty="0">
-                  <a:solidFill>
-                    <a:schemeClr val="bg1">
-                      <a:lumMod val="50000"/>
-                    </a:schemeClr>
-                  </a:solidFill>
-                  <a:latin typeface="微软雅黑" panose="020B0503020204020204" pitchFamily="34" charset="-122"/>
-                  <a:ea typeface="微软雅黑" panose="020B0503020204020204" pitchFamily="34" charset="-122"/>
-                  <a:cs typeface="+mn-ea"/>
-                  <a:sym typeface="+mn-lt"/>
-                </a:rPr>
-                <a:t>）</a:t>
-              </a:r>
-              <a:endParaRPr lang="en-US" altLang="zh-CN" sz="900" dirty="0">
-                <a:solidFill>
-                  <a:schemeClr val="bg1">
-                    <a:lumMod val="50000"/>
-                  </a:schemeClr>
-                </a:solidFill>
-                <a:latin typeface="微软雅黑" panose="020B0503020204020204" pitchFamily="34" charset="-122"/>
-                <a:ea typeface="微软雅黑" panose="020B0503020204020204" pitchFamily="34" charset="-122"/>
-                <a:cs typeface="+mn-ea"/>
-                <a:sym typeface="+mn-lt"/>
-              </a:endParaRPr>
-            </a:p>
-          </p:txBody>
-        </p:sp>
-        <p:sp>
-          <p:nvSpPr>
-            <p:cNvPr id="34" name="TextBox 29">
-              <a:extLst>
-                <a:ext uri="{FF2B5EF4-FFF2-40B4-BE49-F238E27FC236}">
-                  <a16:creationId xmlns:a16="http://schemas.microsoft.com/office/drawing/2014/main" id="{D37C410E-F006-4AC8-8969-4C55C7C3332C}"/>
-                </a:ext>
-              </a:extLst>
-            </p:cNvPr>
-            <p:cNvSpPr txBox="1"/>
-            <p:nvPr/>
-          </p:nvSpPr>
-          <p:spPr>
-            <a:xfrm>
-              <a:off x="1527335" y="1945411"/>
-              <a:ext cx="699057" cy="141321"/>
-            </a:xfrm>
-            <a:prstGeom prst="rect">
-              <a:avLst/>
-            </a:prstGeom>
-            <a:noFill/>
-          </p:spPr>
-          <p:txBody>
-            <a:bodyPr wrap="none" lIns="0" tIns="0" rIns="0" bIns="0" rtlCol="0" anchor="ctr">
-              <a:spAutoFit/>
-            </a:bodyPr>
-            <a:lstStyle>
-              <a:defPPr>
-                <a:defRPr lang="zh-CN"/>
-              </a:defPPr>
-              <a:lvl1pPr>
-                <a:lnSpc>
-                  <a:spcPct val="120000"/>
-                </a:lnSpc>
-                <a:defRPr sz="1327">
-                  <a:solidFill>
-                    <a:schemeClr val="tx1">
-                      <a:lumMod val="85000"/>
-                      <a:lumOff val="15000"/>
-                    </a:schemeClr>
-                  </a:solidFill>
-                  <a:latin typeface="Arial" panose="020B0604020202020204" pitchFamily="34" charset="0"/>
-                  <a:ea typeface="微软雅黑" panose="020B0503020204020204" pitchFamily="34" charset="-122"/>
-                  <a:cs typeface="+mn-ea"/>
-                </a:defRPr>
-              </a:lvl1pPr>
-            </a:lstStyle>
-            <a:p>
-              <a:r>
-                <a:rPr lang="zh-CN" altLang="en-US" sz="1200" dirty="0">
-                  <a:solidFill>
-                    <a:srgbClr val="376092"/>
-                  </a:solidFill>
-                  <a:latin typeface="微软雅黑" panose="020B0503020204020204" pitchFamily="34" charset="-122"/>
-                  <a:sym typeface="+mn-lt"/>
-                </a:rPr>
-                <a:t>非堵塞</a:t>
-              </a:r>
-              <a:endParaRPr lang="en-US" sz="1200" dirty="0">
-                <a:solidFill>
-                  <a:srgbClr val="376092"/>
-                </a:solidFill>
-                <a:latin typeface="微软雅黑" panose="020B0503020204020204" pitchFamily="34" charset="-122"/>
-                <a:sym typeface="+mn-lt"/>
-              </a:endParaRPr>
-            </a:p>
-          </p:txBody>
-        </p:sp>
-      </p:grpSp>
-      <p:grpSp>
-        <p:nvGrpSpPr>
-          <p:cNvPr id="35" name="Group 38">
-            <a:extLst>
-              <a:ext uri="{FF2B5EF4-FFF2-40B4-BE49-F238E27FC236}">
-                <a16:creationId xmlns:a16="http://schemas.microsoft.com/office/drawing/2014/main" id="{A12255E1-D761-402A-ACDD-2FE6FD47F4E0}"/>
-              </a:ext>
-            </a:extLst>
-          </p:cNvPr>
-          <p:cNvGrpSpPr/>
-          <p:nvPr/>
-        </p:nvGrpSpPr>
-        <p:grpSpPr>
-          <a:xfrm>
-            <a:off x="6553201" y="1385937"/>
-            <a:ext cx="1510418" cy="784072"/>
-            <a:chOff x="844734" y="1914657"/>
-            <a:chExt cx="2287091" cy="784117"/>
-          </a:xfrm>
-        </p:grpSpPr>
-        <p:sp>
-          <p:nvSpPr>
-            <p:cNvPr id="36" name="Footer Text">
-              <a:extLst>
-                <a:ext uri="{FF2B5EF4-FFF2-40B4-BE49-F238E27FC236}">
-                  <a16:creationId xmlns:a16="http://schemas.microsoft.com/office/drawing/2014/main" id="{CE2CE644-9ECB-4F5B-9662-A9A978901D2A}"/>
-                </a:ext>
-              </a:extLst>
-            </p:cNvPr>
-            <p:cNvSpPr txBox="1"/>
-            <p:nvPr/>
-          </p:nvSpPr>
-          <p:spPr>
-            <a:xfrm>
-              <a:off x="844734" y="2099986"/>
-              <a:ext cx="2287091" cy="598788"/>
-            </a:xfrm>
-            <a:prstGeom prst="rect">
-              <a:avLst/>
-            </a:prstGeom>
-            <a:noFill/>
-          </p:spPr>
-          <p:txBody>
-            <a:bodyPr wrap="square" lIns="0" tIns="0" rIns="0" bIns="0" rtlCol="0">
-              <a:spAutoFit/>
-            </a:bodyPr>
-            <a:lstStyle/>
-            <a:p>
-              <a:pPr>
-                <a:lnSpc>
-                  <a:spcPct val="150000"/>
-                </a:lnSpc>
-              </a:pPr>
-              <a:r>
-                <a:rPr lang="en-US" altLang="zh-CN" sz="900" dirty="0">
-                  <a:solidFill>
-                    <a:schemeClr val="bg1">
-                      <a:lumMod val="50000"/>
-                    </a:schemeClr>
-                  </a:solidFill>
-                  <a:latin typeface="微软雅黑" panose="020B0503020204020204" pitchFamily="34" charset="-122"/>
-                  <a:ea typeface="微软雅黑" panose="020B0503020204020204" pitchFamily="34" charset="-122"/>
-                  <a:cs typeface="+mn-ea"/>
-                  <a:sym typeface="+mn-lt"/>
-                </a:rPr>
-                <a:t>CQRS</a:t>
-              </a:r>
-              <a:r>
-                <a:rPr lang="zh-CN" altLang="en-US" sz="900" dirty="0">
-                  <a:solidFill>
-                    <a:schemeClr val="bg1">
-                      <a:lumMod val="50000"/>
-                    </a:schemeClr>
-                  </a:solidFill>
-                  <a:latin typeface="微软雅黑" panose="020B0503020204020204" pitchFamily="34" charset="-122"/>
-                  <a:ea typeface="微软雅黑" panose="020B0503020204020204" pitchFamily="34" charset="-122"/>
-                  <a:cs typeface="+mn-ea"/>
-                  <a:sym typeface="+mn-lt"/>
-                </a:rPr>
-                <a:t>扩展性强，尤其对于读写比例高的场景，横向扩展容易</a:t>
-              </a:r>
-              <a:endParaRPr lang="en-US" altLang="zh-CN" sz="900" dirty="0">
-                <a:solidFill>
-                  <a:schemeClr val="bg1">
-                    <a:lumMod val="50000"/>
-                  </a:schemeClr>
-                </a:solidFill>
-                <a:latin typeface="微软雅黑" panose="020B0503020204020204" pitchFamily="34" charset="-122"/>
-                <a:ea typeface="微软雅黑" panose="020B0503020204020204" pitchFamily="34" charset="-122"/>
-                <a:cs typeface="+mn-ea"/>
-                <a:sym typeface="+mn-lt"/>
-              </a:endParaRPr>
-            </a:p>
-          </p:txBody>
-        </p:sp>
-        <p:sp>
-          <p:nvSpPr>
-            <p:cNvPr id="37" name="TextBox 32">
-              <a:extLst>
-                <a:ext uri="{FF2B5EF4-FFF2-40B4-BE49-F238E27FC236}">
-                  <a16:creationId xmlns:a16="http://schemas.microsoft.com/office/drawing/2014/main" id="{2C3351DB-F484-44F8-9D7C-D23D4132E4B5}"/>
-                </a:ext>
-              </a:extLst>
-            </p:cNvPr>
-            <p:cNvSpPr txBox="1"/>
-            <p:nvPr/>
-          </p:nvSpPr>
-          <p:spPr>
-            <a:xfrm>
-              <a:off x="844734" y="1914657"/>
-              <a:ext cx="1165096" cy="202824"/>
-            </a:xfrm>
-            <a:prstGeom prst="rect">
-              <a:avLst/>
-            </a:prstGeom>
-            <a:noFill/>
-          </p:spPr>
-          <p:txBody>
-            <a:bodyPr wrap="none" lIns="0" tIns="0" rIns="0" bIns="0" rtlCol="0" anchor="ctr">
-              <a:spAutoFit/>
-            </a:bodyPr>
-            <a:lstStyle/>
-            <a:p>
-              <a:pPr>
-                <a:lnSpc>
-                  <a:spcPct val="120000"/>
-                </a:lnSpc>
-              </a:pPr>
-              <a:r>
-                <a:rPr lang="zh-CN" altLang="en-US" sz="1200" dirty="0">
-                  <a:solidFill>
-                    <a:srgbClr val="376092"/>
-                  </a:solidFill>
-                  <a:latin typeface="微软雅黑" panose="020B0503020204020204" pitchFamily="34" charset="-122"/>
-                  <a:ea typeface="微软雅黑" panose="020B0503020204020204" pitchFamily="34" charset="-122"/>
-                  <a:cs typeface="+mn-ea"/>
-                  <a:sym typeface="+mn-lt"/>
-                </a:rPr>
-                <a:t>提高扩展性</a:t>
-              </a:r>
-              <a:endParaRPr lang="en-US" sz="1200" dirty="0">
-                <a:solidFill>
-                  <a:srgbClr val="376092"/>
-                </a:solidFill>
-                <a:latin typeface="微软雅黑" panose="020B0503020204020204" pitchFamily="34" charset="-122"/>
-                <a:ea typeface="微软雅黑" panose="020B0503020204020204" pitchFamily="34" charset="-122"/>
-                <a:cs typeface="+mn-ea"/>
-                <a:sym typeface="+mn-lt"/>
-              </a:endParaRPr>
-            </a:p>
-          </p:txBody>
-        </p:sp>
-      </p:grpSp>
-      <p:grpSp>
-        <p:nvGrpSpPr>
-          <p:cNvPr id="38" name="Group 44">
-            <a:extLst>
-              <a:ext uri="{FF2B5EF4-FFF2-40B4-BE49-F238E27FC236}">
-                <a16:creationId xmlns:a16="http://schemas.microsoft.com/office/drawing/2014/main" id="{06A400B3-8B43-4EAC-9CCA-84E310E98799}"/>
-              </a:ext>
-            </a:extLst>
-          </p:cNvPr>
-          <p:cNvGrpSpPr/>
-          <p:nvPr/>
-        </p:nvGrpSpPr>
-        <p:grpSpPr>
-          <a:xfrm>
-            <a:off x="6457396" y="3649847"/>
-            <a:ext cx="1859020" cy="1028337"/>
-            <a:chOff x="844734" y="1945410"/>
-            <a:chExt cx="2287091" cy="716550"/>
-          </a:xfrm>
-        </p:grpSpPr>
-        <p:sp>
-          <p:nvSpPr>
-            <p:cNvPr id="39" name="Footer Text">
-              <a:extLst>
-                <a:ext uri="{FF2B5EF4-FFF2-40B4-BE49-F238E27FC236}">
-                  <a16:creationId xmlns:a16="http://schemas.microsoft.com/office/drawing/2014/main" id="{DDE79377-AC59-4B09-90C6-BC9F3F3057AC}"/>
-                </a:ext>
-              </a:extLst>
-            </p:cNvPr>
-            <p:cNvSpPr txBox="1"/>
-            <p:nvPr/>
-          </p:nvSpPr>
-          <p:spPr>
-            <a:xfrm>
-              <a:off x="844734" y="2099985"/>
-              <a:ext cx="2287091" cy="561975"/>
-            </a:xfrm>
-            <a:prstGeom prst="rect">
-              <a:avLst/>
-            </a:prstGeom>
-            <a:noFill/>
-          </p:spPr>
-          <p:txBody>
-            <a:bodyPr wrap="square" lIns="0" tIns="0" rIns="0" bIns="0" rtlCol="0">
-              <a:spAutoFit/>
-            </a:bodyPr>
-            <a:lstStyle>
-              <a:defPPr>
-                <a:defRPr lang="zh-CN"/>
-              </a:defPPr>
-              <a:lvl1pPr>
-                <a:lnSpc>
-                  <a:spcPts val="2000"/>
-                </a:lnSpc>
-                <a:defRPr sz="1100">
-                  <a:solidFill>
-                    <a:schemeClr val="tx1">
-                      <a:lumMod val="85000"/>
-                      <a:lumOff val="15000"/>
-                    </a:schemeClr>
-                  </a:solidFill>
-                  <a:latin typeface="+mn-ea"/>
-                </a:defRPr>
-              </a:lvl1pPr>
-            </a:lstStyle>
-            <a:p>
-              <a:pPr>
-                <a:lnSpc>
-                  <a:spcPct val="150000"/>
-                </a:lnSpc>
-              </a:pPr>
-              <a:r>
-                <a:rPr lang="zh-CN" altLang="en-US" sz="900" dirty="0">
-                  <a:solidFill>
-                    <a:schemeClr val="bg1">
-                      <a:lumMod val="50000"/>
-                    </a:schemeClr>
-                  </a:solidFill>
-                  <a:latin typeface="微软雅黑" panose="020B0503020204020204" pitchFamily="34" charset="-122"/>
-                  <a:ea typeface="微软雅黑" panose="020B0503020204020204" pitchFamily="34" charset="-122"/>
-                  <a:cs typeface="+mn-ea"/>
-                  <a:sym typeface="+mn-lt"/>
-                </a:rPr>
-                <a:t>用户可以通过</a:t>
-              </a:r>
-              <a:r>
-                <a:rPr lang="en-US" altLang="zh-CN" sz="900" dirty="0">
-                  <a:solidFill>
-                    <a:schemeClr val="bg1">
-                      <a:lumMod val="50000"/>
-                    </a:schemeClr>
-                  </a:solidFill>
-                  <a:latin typeface="微软雅黑" panose="020B0503020204020204" pitchFamily="34" charset="-122"/>
-                  <a:ea typeface="微软雅黑" panose="020B0503020204020204" pitchFamily="34" charset="-122"/>
-                  <a:cs typeface="+mn-ea"/>
-                  <a:sym typeface="+mn-lt"/>
-                </a:rPr>
-                <a:t>async</a:t>
-              </a:r>
-              <a:r>
-                <a:rPr lang="zh-CN" altLang="en-US" sz="900" dirty="0">
-                  <a:solidFill>
-                    <a:schemeClr val="bg1">
-                      <a:lumMod val="50000"/>
-                    </a:schemeClr>
-                  </a:solidFill>
-                  <a:latin typeface="微软雅黑" panose="020B0503020204020204" pitchFamily="34" charset="-122"/>
-                  <a:ea typeface="微软雅黑" panose="020B0503020204020204" pitchFamily="34" charset="-122"/>
-                  <a:cs typeface="+mn-ea"/>
-                  <a:sym typeface="+mn-lt"/>
-                </a:rPr>
-                <a:t>和</a:t>
-              </a:r>
-              <a:r>
-                <a:rPr lang="en-US" altLang="zh-CN" sz="900" dirty="0">
-                  <a:solidFill>
-                    <a:schemeClr val="bg1">
-                      <a:lumMod val="50000"/>
-                    </a:schemeClr>
-                  </a:solidFill>
-                  <a:latin typeface="微软雅黑" panose="020B0503020204020204" pitchFamily="34" charset="-122"/>
-                  <a:ea typeface="微软雅黑" panose="020B0503020204020204" pitchFamily="34" charset="-122"/>
-                  <a:cs typeface="+mn-ea"/>
-                  <a:sym typeface="+mn-lt"/>
-                </a:rPr>
-                <a:t>lambda</a:t>
-              </a:r>
-              <a:r>
-                <a:rPr lang="zh-CN" altLang="en-US" sz="900" dirty="0">
-                  <a:solidFill>
-                    <a:schemeClr val="bg1">
-                      <a:lumMod val="50000"/>
-                    </a:schemeClr>
-                  </a:solidFill>
-                  <a:latin typeface="微软雅黑" panose="020B0503020204020204" pitchFamily="34" charset="-122"/>
-                  <a:ea typeface="微软雅黑" panose="020B0503020204020204" pitchFamily="34" charset="-122"/>
-                  <a:cs typeface="+mn-ea"/>
-                  <a:sym typeface="+mn-lt"/>
-                </a:rPr>
-                <a:t>注入使用背后的</a:t>
-              </a:r>
-              <a:r>
-                <a:rPr lang="en-US" altLang="zh-CN" sz="900" dirty="0">
-                  <a:solidFill>
-                    <a:schemeClr val="bg1">
-                      <a:lumMod val="50000"/>
-                    </a:schemeClr>
-                  </a:solidFill>
-                  <a:latin typeface="微软雅黑" panose="020B0503020204020204" pitchFamily="34" charset="-122"/>
-                  <a:ea typeface="微软雅黑" panose="020B0503020204020204" pitchFamily="34" charset="-122"/>
-                  <a:cs typeface="+mn-ea"/>
-                  <a:sym typeface="+mn-lt"/>
-                </a:rPr>
-                <a:t>CQRS</a:t>
-              </a:r>
-              <a:r>
-                <a:rPr lang="zh-CN" altLang="en-US" sz="900" dirty="0">
-                  <a:solidFill>
-                    <a:schemeClr val="bg1">
-                      <a:lumMod val="50000"/>
-                    </a:schemeClr>
-                  </a:solidFill>
-                  <a:latin typeface="微软雅黑" panose="020B0503020204020204" pitchFamily="34" charset="-122"/>
-                  <a:ea typeface="微软雅黑" panose="020B0503020204020204" pitchFamily="34" charset="-122"/>
-                  <a:cs typeface="+mn-ea"/>
-                  <a:sym typeface="+mn-lt"/>
-                </a:rPr>
-                <a:t>功能而无需关注具体实现</a:t>
-              </a:r>
-              <a:endParaRPr lang="en-US" altLang="zh-CN" sz="900" dirty="0">
-                <a:solidFill>
-                  <a:schemeClr val="bg1">
-                    <a:lumMod val="50000"/>
-                  </a:schemeClr>
-                </a:solidFill>
-                <a:latin typeface="微软雅黑" panose="020B0503020204020204" pitchFamily="34" charset="-122"/>
-                <a:ea typeface="微软雅黑" panose="020B0503020204020204" pitchFamily="34" charset="-122"/>
-                <a:cs typeface="+mn-ea"/>
-                <a:sym typeface="+mn-lt"/>
-              </a:endParaRPr>
-            </a:p>
-          </p:txBody>
-        </p:sp>
-        <p:sp>
-          <p:nvSpPr>
-            <p:cNvPr id="40" name="TextBox 35">
-              <a:extLst>
-                <a:ext uri="{FF2B5EF4-FFF2-40B4-BE49-F238E27FC236}">
-                  <a16:creationId xmlns:a16="http://schemas.microsoft.com/office/drawing/2014/main" id="{306604CB-8E4C-4039-8FC6-EA7D4CBF8418}"/>
-                </a:ext>
-              </a:extLst>
-            </p:cNvPr>
-            <p:cNvSpPr txBox="1"/>
-            <p:nvPr/>
-          </p:nvSpPr>
-          <p:spPr>
-            <a:xfrm>
-              <a:off x="844734" y="1945410"/>
-              <a:ext cx="1541326" cy="141320"/>
-            </a:xfrm>
-            <a:prstGeom prst="rect">
-              <a:avLst/>
-            </a:prstGeom>
-            <a:noFill/>
-          </p:spPr>
-          <p:txBody>
-            <a:bodyPr wrap="none" lIns="0" tIns="0" rIns="0" bIns="0" rtlCol="0" anchor="ctr">
-              <a:spAutoFit/>
-            </a:bodyPr>
-            <a:lstStyle/>
-            <a:p>
-              <a:pPr>
-                <a:lnSpc>
-                  <a:spcPct val="120000"/>
-                </a:lnSpc>
-              </a:pPr>
-              <a:r>
-                <a:rPr lang="zh-CN" altLang="en-US" sz="1200" dirty="0">
-                  <a:solidFill>
-                    <a:srgbClr val="376092"/>
-                  </a:solidFill>
-                  <a:latin typeface="微软雅黑" panose="020B0503020204020204" pitchFamily="34" charset="-122"/>
-                  <a:ea typeface="微软雅黑" panose="020B0503020204020204" pitchFamily="34" charset="-122"/>
-                  <a:cs typeface="+mn-ea"/>
-                  <a:sym typeface="+mn-lt"/>
-                </a:rPr>
-                <a:t>简单封装的</a:t>
-              </a:r>
-              <a:r>
-                <a:rPr lang="en-US" altLang="zh-CN" sz="1200" dirty="0">
-                  <a:solidFill>
-                    <a:srgbClr val="376092"/>
-                  </a:solidFill>
-                  <a:latin typeface="微软雅黑" panose="020B0503020204020204" pitchFamily="34" charset="-122"/>
-                  <a:ea typeface="微软雅黑" panose="020B0503020204020204" pitchFamily="34" charset="-122"/>
-                  <a:cs typeface="+mn-ea"/>
-                  <a:sym typeface="+mn-lt"/>
-                </a:rPr>
-                <a:t>API</a:t>
-              </a:r>
-              <a:endParaRPr lang="en-US" sz="1200" dirty="0">
-                <a:solidFill>
-                  <a:srgbClr val="376092"/>
-                </a:solidFill>
-                <a:latin typeface="微软雅黑" panose="020B0503020204020204" pitchFamily="34" charset="-122"/>
-                <a:ea typeface="微软雅黑" panose="020B0503020204020204" pitchFamily="34" charset="-122"/>
-                <a:cs typeface="+mn-ea"/>
-                <a:sym typeface="+mn-lt"/>
-              </a:endParaRPr>
-            </a:p>
-          </p:txBody>
-        </p:sp>
-      </p:grpSp>
-      <p:grpSp>
-        <p:nvGrpSpPr>
-          <p:cNvPr id="53" name="组合 52"/>
-          <p:cNvGrpSpPr/>
-          <p:nvPr/>
-        </p:nvGrpSpPr>
-        <p:grpSpPr>
-          <a:xfrm>
-            <a:off x="251900" y="195486"/>
-            <a:ext cx="8568572" cy="585582"/>
-            <a:chOff x="251900" y="195486"/>
-            <a:chExt cx="8568572" cy="585582"/>
-          </a:xfrm>
-        </p:grpSpPr>
-        <p:cxnSp>
-          <p:nvCxnSpPr>
-            <p:cNvPr id="54" name="直接连接符 53"/>
-            <p:cNvCxnSpPr/>
-            <p:nvPr/>
-          </p:nvCxnSpPr>
-          <p:spPr>
-            <a:xfrm flipH="1">
-              <a:off x="1208857" y="684095"/>
-              <a:ext cx="7611615" cy="0"/>
-            </a:xfrm>
-            <a:prstGeom prst="line">
-              <a:avLst/>
-            </a:prstGeom>
-            <a:ln w="12700">
-              <a:solidFill>
-                <a:schemeClr val="tx1">
-                  <a:lumMod val="50000"/>
-                  <a:lumOff val="50000"/>
-                </a:schemeClr>
-              </a:solidFill>
-              <a:prstDash val="dash"/>
-            </a:ln>
-          </p:spPr>
-          <p:style>
-            <a:lnRef idx="1">
-              <a:schemeClr val="accent1"/>
-            </a:lnRef>
-            <a:fillRef idx="0">
-              <a:schemeClr val="accent1"/>
-            </a:fillRef>
-            <a:effectRef idx="0">
-              <a:schemeClr val="accent1"/>
-            </a:effectRef>
-            <a:fontRef idx="minor">
-              <a:schemeClr val="tx1"/>
-            </a:fontRef>
-          </p:style>
-        </p:cxnSp>
-        <p:sp>
-          <p:nvSpPr>
-            <p:cNvPr id="55" name="矩形 54"/>
-            <p:cNvSpPr/>
-            <p:nvPr/>
-          </p:nvSpPr>
-          <p:spPr>
-            <a:xfrm>
-              <a:off x="1331640" y="255120"/>
-              <a:ext cx="6486071" cy="400110"/>
-            </a:xfrm>
-            <a:prstGeom prst="rect">
-              <a:avLst/>
-            </a:prstGeom>
-          </p:spPr>
-          <p:txBody>
-            <a:bodyPr wrap="none">
-              <a:spAutoFit/>
-            </a:bodyPr>
-            <a:lstStyle/>
-            <a:p>
-              <a:pPr defTabSz="913765">
-                <a:spcBef>
-                  <a:spcPts val="0"/>
-                </a:spcBef>
-                <a:spcAft>
-                  <a:spcPts val="0"/>
-                </a:spcAft>
-                <a:defRPr/>
-              </a:pPr>
-              <a:r>
-                <a:rPr lang="en-US" altLang="zh-CN" sz="2000" b="1" kern="0" dirty="0">
-                  <a:solidFill>
-                    <a:srgbClr val="376092"/>
-                  </a:solidFill>
-                  <a:latin typeface="微软雅黑" panose="020B0503020204020204" pitchFamily="34" charset="-122"/>
-                  <a:ea typeface="微软雅黑" panose="020B0503020204020204" pitchFamily="34" charset="-122"/>
-                  <a:cs typeface="+mn-ea"/>
-                  <a:sym typeface="+mn-lt"/>
-                </a:rPr>
-                <a:t>LIGHTNING</a:t>
-              </a:r>
-              <a:r>
-                <a:rPr lang="zh-CN" altLang="en-US" sz="2000" b="1" kern="0" dirty="0">
-                  <a:solidFill>
-                    <a:srgbClr val="376092"/>
-                  </a:solidFill>
-                  <a:latin typeface="微软雅黑" panose="020B0503020204020204" pitchFamily="34" charset="-122"/>
-                  <a:ea typeface="微软雅黑" panose="020B0503020204020204" pitchFamily="34" charset="-122"/>
-                  <a:cs typeface="+mn-ea"/>
-                  <a:sym typeface="+mn-lt"/>
-                </a:rPr>
-                <a:t>的技术优势 </a:t>
-              </a:r>
-              <a:r>
-                <a:rPr lang="en-US" altLang="zh-CN" sz="2000" b="1" kern="0" dirty="0">
-                  <a:solidFill>
-                    <a:srgbClr val="376092"/>
-                  </a:solidFill>
-                  <a:latin typeface="微软雅黑" panose="020B0503020204020204" pitchFamily="34" charset="-122"/>
-                  <a:ea typeface="微软雅黑" panose="020B0503020204020204" pitchFamily="34" charset="-122"/>
-                  <a:cs typeface="+mn-ea"/>
-                  <a:sym typeface="+mn-lt"/>
-                </a:rPr>
-                <a:t>– CQRS</a:t>
-              </a:r>
-              <a:r>
-                <a:rPr lang="zh-CN" altLang="en-US" sz="2000" b="1" kern="0" dirty="0">
-                  <a:solidFill>
-                    <a:srgbClr val="376092"/>
-                  </a:solidFill>
-                  <a:latin typeface="微软雅黑" panose="020B0503020204020204" pitchFamily="34" charset="-122"/>
-                  <a:ea typeface="微软雅黑" panose="020B0503020204020204" pitchFamily="34" charset="-122"/>
-                  <a:cs typeface="+mn-ea"/>
-                  <a:sym typeface="+mn-lt"/>
-                </a:rPr>
-                <a:t>的逻辑分离和封装</a:t>
-              </a:r>
-              <a:r>
-                <a:rPr lang="en-US" altLang="zh-CN" sz="2000" b="1" kern="0" dirty="0">
-                  <a:solidFill>
-                    <a:srgbClr val="376092"/>
-                  </a:solidFill>
-                  <a:latin typeface="微软雅黑" panose="020B0503020204020204" pitchFamily="34" charset="-122"/>
-                  <a:ea typeface="微软雅黑" panose="020B0503020204020204" pitchFamily="34" charset="-122"/>
-                  <a:cs typeface="+mn-ea"/>
-                  <a:sym typeface="+mn-lt"/>
-                </a:rPr>
-                <a:t>API</a:t>
-              </a:r>
-              <a:endParaRPr lang="zh-CN" altLang="en-US" sz="2000" b="1" kern="0" dirty="0">
-                <a:solidFill>
-                  <a:srgbClr val="376092"/>
-                </a:solidFill>
-                <a:latin typeface="微软雅黑" panose="020B0503020204020204" pitchFamily="34" charset="-122"/>
-                <a:ea typeface="微软雅黑" panose="020B0503020204020204" pitchFamily="34" charset="-122"/>
-                <a:cs typeface="+mn-ea"/>
-                <a:sym typeface="+mn-lt"/>
-              </a:endParaRPr>
-            </a:p>
-          </p:txBody>
-        </p:sp>
-        <p:grpSp>
-          <p:nvGrpSpPr>
-            <p:cNvPr id="56" name="组合 55"/>
-            <p:cNvGrpSpPr/>
-            <p:nvPr/>
-          </p:nvGrpSpPr>
-          <p:grpSpPr>
-            <a:xfrm>
-              <a:off x="251900" y="195486"/>
-              <a:ext cx="887938" cy="585582"/>
-              <a:chOff x="562441" y="531294"/>
-              <a:chExt cx="2322326" cy="1531540"/>
-            </a:xfrm>
-          </p:grpSpPr>
-          <p:sp>
-            <p:nvSpPr>
-              <p:cNvPr id="58" name="圆角矩形 57"/>
-              <p:cNvSpPr/>
-              <p:nvPr/>
-            </p:nvSpPr>
-            <p:spPr>
-              <a:xfrm rot="2700000">
-                <a:off x="613474" y="711955"/>
-                <a:ext cx="704611" cy="704611"/>
-              </a:xfrm>
-              <a:prstGeom prst="roundRect">
-                <a:avLst>
-                  <a:gd name="adj" fmla="val 4810"/>
-                </a:avLst>
-              </a:prstGeom>
-              <a:gradFill>
-                <a:gsLst>
-                  <a:gs pos="0">
-                    <a:srgbClr val="F2F2F2"/>
-                  </a:gs>
-                  <a:gs pos="100000">
-                    <a:srgbClr val="DBDBDB"/>
-                  </a:gs>
-                </a:gsLst>
-                <a:lin ang="16800000" scaled="0"/>
-              </a:gradFill>
-              <a:ln>
-                <a:noFill/>
-              </a:ln>
-              <a:effectLst>
-                <a:outerShdw blurRad="63500" dist="63500" dir="5400000" algn="t" rotWithShape="0">
-                  <a:schemeClr val="tx1">
-                    <a:lumMod val="65000"/>
-                    <a:lumOff val="35000"/>
-                    <a:alpha val="25000"/>
-                  </a:schemeClr>
-                </a:outerShdw>
-              </a:effectLst>
-            </p:spPr>
-            <p:style>
-              <a:lnRef idx="2">
-                <a:schemeClr val="accent1">
-                  <a:shade val="50000"/>
-                </a:schemeClr>
-              </a:lnRef>
-              <a:fillRef idx="1">
-                <a:schemeClr val="accent1"/>
-              </a:fillRef>
-              <a:effectRef idx="0">
-                <a:schemeClr val="accent1"/>
-              </a:effectRef>
-              <a:fontRef idx="minor">
-                <a:schemeClr val="lt1"/>
-              </a:fontRef>
-            </p:style>
-            <p:txBody>
-              <a:bodyPr rtlCol="0" anchor="ctr"/>
-              <a:lstStyle/>
-              <a:p>
-                <a:pPr algn="ctr"/>
-                <a:endParaRPr lang="zh-CN" altLang="en-US" sz="1400" dirty="0">
-                  <a:latin typeface="微软雅黑" panose="020B0503020204020204" pitchFamily="34" charset="-122"/>
-                  <a:ea typeface="微软雅黑" panose="020B0503020204020204" pitchFamily="34" charset="-122"/>
-                  <a:cs typeface="+mn-ea"/>
-                  <a:sym typeface="+mn-lt"/>
-                </a:endParaRPr>
-              </a:p>
-            </p:txBody>
-          </p:sp>
-          <p:sp>
-            <p:nvSpPr>
-              <p:cNvPr id="59" name="圆角矩形 58"/>
-              <p:cNvSpPr/>
-              <p:nvPr/>
-            </p:nvSpPr>
-            <p:spPr>
-              <a:xfrm rot="2700000">
-                <a:off x="1043261" y="555179"/>
-                <a:ext cx="1041378" cy="1041378"/>
-              </a:xfrm>
-              <a:prstGeom prst="roundRect">
-                <a:avLst>
-                  <a:gd name="adj" fmla="val 4810"/>
-                </a:avLst>
-              </a:prstGeom>
-              <a:solidFill>
-                <a:schemeClr val="accent1">
-                  <a:lumMod val="75000"/>
-                </a:schemeClr>
-              </a:solidFill>
-              <a:ln>
-                <a:noFill/>
-              </a:ln>
-              <a:effectLst>
-                <a:outerShdw blurRad="63500" dist="63500" dir="5400000" algn="t" rotWithShape="0">
-                  <a:schemeClr val="tx1">
-                    <a:lumMod val="65000"/>
-                    <a:lumOff val="35000"/>
-                    <a:alpha val="25000"/>
-                  </a:schemeClr>
-                </a:outerShdw>
-              </a:effectLst>
-            </p:spPr>
-            <p:style>
-              <a:lnRef idx="2">
-                <a:schemeClr val="accent1">
-                  <a:shade val="50000"/>
-                </a:schemeClr>
-              </a:lnRef>
-              <a:fillRef idx="1">
-                <a:schemeClr val="accent1"/>
-              </a:fillRef>
-              <a:effectRef idx="0">
-                <a:schemeClr val="accent1"/>
-              </a:effectRef>
-              <a:fontRef idx="minor">
-                <a:schemeClr val="lt1"/>
-              </a:fontRef>
-            </p:style>
-            <p:txBody>
-              <a:bodyPr rtlCol="0" anchor="ctr"/>
-              <a:lstStyle/>
-              <a:p>
-                <a:pPr algn="ctr"/>
-                <a:endParaRPr lang="zh-CN" altLang="en-US" sz="1400" dirty="0">
-                  <a:latin typeface="微软雅黑" panose="020B0503020204020204" pitchFamily="34" charset="-122"/>
-                  <a:ea typeface="微软雅黑" panose="020B0503020204020204" pitchFamily="34" charset="-122"/>
-                  <a:cs typeface="+mn-ea"/>
-                  <a:sym typeface="+mn-lt"/>
-                </a:endParaRPr>
-              </a:p>
-            </p:txBody>
-          </p:sp>
-          <p:sp>
-            <p:nvSpPr>
-              <p:cNvPr id="60" name="圆角矩形 59"/>
-              <p:cNvSpPr/>
-              <p:nvPr/>
-            </p:nvSpPr>
-            <p:spPr>
-              <a:xfrm rot="2700000">
-                <a:off x="2386142" y="531294"/>
-                <a:ext cx="498625" cy="498625"/>
-              </a:xfrm>
-              <a:prstGeom prst="roundRect">
-                <a:avLst>
-                  <a:gd name="adj" fmla="val 4810"/>
-                </a:avLst>
-              </a:prstGeom>
-              <a:solidFill>
-                <a:schemeClr val="bg1">
-                  <a:lumMod val="50000"/>
-                </a:schemeClr>
-              </a:solidFill>
-              <a:ln>
-                <a:noFill/>
-              </a:ln>
-              <a:effectLst>
-                <a:outerShdw blurRad="63500" dist="63500" dir="5400000" algn="t" rotWithShape="0">
-                  <a:schemeClr val="tx1">
-                    <a:lumMod val="65000"/>
-                    <a:lumOff val="35000"/>
-                    <a:alpha val="25000"/>
-                  </a:schemeClr>
-                </a:outerShdw>
-              </a:effectLst>
-            </p:spPr>
-            <p:style>
-              <a:lnRef idx="2">
-                <a:schemeClr val="accent1">
-                  <a:shade val="50000"/>
-                </a:schemeClr>
-              </a:lnRef>
-              <a:fillRef idx="1">
-                <a:schemeClr val="accent1"/>
-              </a:fillRef>
-              <a:effectRef idx="0">
-                <a:schemeClr val="accent1"/>
-              </a:effectRef>
-              <a:fontRef idx="minor">
-                <a:schemeClr val="lt1"/>
-              </a:fontRef>
-            </p:style>
-            <p:txBody>
-              <a:bodyPr rtlCol="0" anchor="ctr"/>
-              <a:lstStyle/>
-              <a:p>
-                <a:pPr algn="ctr"/>
-                <a:endParaRPr lang="zh-CN" altLang="en-US" sz="1400" dirty="0">
-                  <a:latin typeface="微软雅黑" panose="020B0503020204020204" pitchFamily="34" charset="-122"/>
-                  <a:ea typeface="微软雅黑" panose="020B0503020204020204" pitchFamily="34" charset="-122"/>
-                  <a:cs typeface="+mn-ea"/>
-                  <a:sym typeface="+mn-lt"/>
-                </a:endParaRPr>
-              </a:p>
-            </p:txBody>
-          </p:sp>
-          <p:sp>
-            <p:nvSpPr>
-              <p:cNvPr id="61" name="圆角矩形 60"/>
-              <p:cNvSpPr/>
-              <p:nvPr/>
-            </p:nvSpPr>
-            <p:spPr>
-              <a:xfrm rot="2700000">
-                <a:off x="2149679" y="1381541"/>
-                <a:ext cx="432486" cy="432486"/>
-              </a:xfrm>
-              <a:prstGeom prst="roundRect">
-                <a:avLst>
-                  <a:gd name="adj" fmla="val 4810"/>
-                </a:avLst>
-              </a:prstGeom>
-              <a:gradFill>
-                <a:gsLst>
-                  <a:gs pos="0">
-                    <a:srgbClr val="F2F2F2"/>
-                  </a:gs>
-                  <a:gs pos="100000">
-                    <a:srgbClr val="DBDBDB"/>
-                  </a:gs>
-                </a:gsLst>
-                <a:lin ang="16800000" scaled="0"/>
-              </a:gradFill>
-              <a:ln>
-                <a:noFill/>
-              </a:ln>
-              <a:effectLst>
-                <a:outerShdw blurRad="63500" dist="63500" dir="5400000" algn="t" rotWithShape="0">
-                  <a:schemeClr val="tx1">
-                    <a:lumMod val="65000"/>
-                    <a:lumOff val="35000"/>
-                    <a:alpha val="25000"/>
-                  </a:schemeClr>
-                </a:outerShdw>
-              </a:effectLst>
-            </p:spPr>
-            <p:style>
-              <a:lnRef idx="2">
-                <a:schemeClr val="accent1">
-                  <a:shade val="50000"/>
-                </a:schemeClr>
-              </a:lnRef>
-              <a:fillRef idx="1">
-                <a:schemeClr val="accent1"/>
-              </a:fillRef>
-              <a:effectRef idx="0">
-                <a:schemeClr val="accent1"/>
-              </a:effectRef>
-              <a:fontRef idx="minor">
-                <a:schemeClr val="lt1"/>
-              </a:fontRef>
-            </p:style>
-            <p:txBody>
-              <a:bodyPr rtlCol="0" anchor="ctr"/>
-              <a:lstStyle/>
-              <a:p>
-                <a:pPr algn="ctr"/>
-                <a:endParaRPr lang="zh-CN" altLang="en-US" sz="1400" dirty="0">
-                  <a:latin typeface="微软雅黑" panose="020B0503020204020204" pitchFamily="34" charset="-122"/>
-                  <a:ea typeface="微软雅黑" panose="020B0503020204020204" pitchFamily="34" charset="-122"/>
-                  <a:cs typeface="+mn-ea"/>
-                  <a:sym typeface="+mn-lt"/>
-                </a:endParaRPr>
-              </a:p>
-            </p:txBody>
-          </p:sp>
-          <p:sp>
-            <p:nvSpPr>
-              <p:cNvPr id="62" name="圆角矩形 61"/>
-              <p:cNvSpPr/>
-              <p:nvPr/>
-            </p:nvSpPr>
-            <p:spPr>
-              <a:xfrm rot="2700000">
-                <a:off x="562441" y="1843807"/>
-                <a:ext cx="219027" cy="219027"/>
-              </a:xfrm>
-              <a:prstGeom prst="roundRect">
-                <a:avLst>
-                  <a:gd name="adj" fmla="val 4810"/>
-                </a:avLst>
-              </a:prstGeom>
-              <a:gradFill>
-                <a:gsLst>
-                  <a:gs pos="0">
-                    <a:srgbClr val="F2F2F2"/>
-                  </a:gs>
-                  <a:gs pos="100000">
-                    <a:srgbClr val="DBDBDB"/>
-                  </a:gs>
-                </a:gsLst>
-                <a:lin ang="16800000" scaled="0"/>
-              </a:gradFill>
-              <a:ln>
-                <a:noFill/>
-              </a:ln>
-              <a:effectLst>
-                <a:outerShdw blurRad="63500" dist="63500" dir="5400000" algn="t" rotWithShape="0">
-                  <a:schemeClr val="tx1">
-                    <a:lumMod val="65000"/>
-                    <a:lumOff val="35000"/>
-                    <a:alpha val="25000"/>
-                  </a:schemeClr>
-                </a:outerShdw>
-              </a:effectLst>
-            </p:spPr>
-            <p:style>
-              <a:lnRef idx="2">
-                <a:schemeClr val="accent1">
-                  <a:shade val="50000"/>
-                </a:schemeClr>
-              </a:lnRef>
-              <a:fillRef idx="1">
-                <a:schemeClr val="accent1"/>
-              </a:fillRef>
-              <a:effectRef idx="0">
-                <a:schemeClr val="accent1"/>
-              </a:effectRef>
-              <a:fontRef idx="minor">
-                <a:schemeClr val="lt1"/>
-              </a:fontRef>
-            </p:style>
-            <p:txBody>
-              <a:bodyPr rtlCol="0" anchor="ctr"/>
-              <a:lstStyle/>
-              <a:p>
-                <a:pPr algn="ctr"/>
-                <a:endParaRPr lang="zh-CN" altLang="en-US" sz="1400" dirty="0">
-                  <a:latin typeface="微软雅黑" panose="020B0503020204020204" pitchFamily="34" charset="-122"/>
-                  <a:ea typeface="微软雅黑" panose="020B0503020204020204" pitchFamily="34" charset="-122"/>
-                  <a:cs typeface="+mn-ea"/>
-                  <a:sym typeface="+mn-lt"/>
-                </a:endParaRPr>
-              </a:p>
-            </p:txBody>
-          </p:sp>
-          <p:sp>
-            <p:nvSpPr>
-              <p:cNvPr id="63" name="文本框 4"/>
-              <p:cNvSpPr txBox="1"/>
-              <p:nvPr/>
-            </p:nvSpPr>
-            <p:spPr>
-              <a:xfrm>
-                <a:off x="944543" y="617339"/>
-                <a:ext cx="1229245" cy="965956"/>
-              </a:xfrm>
-              <a:prstGeom prst="rect">
-                <a:avLst/>
-              </a:prstGeom>
-              <a:noFill/>
-            </p:spPr>
-            <p:txBody>
-              <a:bodyPr wrap="none" rtlCol="0">
-                <a:spAutoFit/>
-              </a:bodyPr>
-              <a:lstStyle/>
-              <a:p>
-                <a:pPr marL="0" marR="0" lvl="0" indent="0" algn="ctr" defTabSz="914400" eaLnBrk="1" fontAlgn="auto" latinLnBrk="0" hangingPunct="1">
-                  <a:lnSpc>
-                    <a:spcPct val="100000"/>
-                  </a:lnSpc>
-                  <a:spcBef>
-                    <a:spcPts val="0"/>
-                  </a:spcBef>
-                  <a:spcAft>
-                    <a:spcPts val="0"/>
-                  </a:spcAft>
-                  <a:buClrTx/>
-                  <a:buSzTx/>
-                  <a:buFontTx/>
-                  <a:buNone/>
-                  <a:defRPr/>
-                </a:pPr>
-                <a:r>
-                  <a:rPr kumimoji="0" lang="en-US" altLang="zh-CN" b="1" i="0" u="none" strike="noStrike" kern="0" cap="none" spc="0" normalizeH="0" baseline="0" noProof="0" dirty="0">
-                    <a:ln>
-                      <a:noFill/>
-                    </a:ln>
-                    <a:solidFill>
-                      <a:sysClr val="window" lastClr="FFFFFF"/>
-                    </a:solidFill>
-                    <a:effectLst/>
-                    <a:uLnTx/>
-                    <a:uFillTx/>
-                    <a:latin typeface="微软雅黑" panose="020B0503020204020204" pitchFamily="34" charset="-122"/>
-                    <a:ea typeface="微软雅黑" panose="020B0503020204020204" pitchFamily="34" charset="-122"/>
-                    <a:cs typeface="+mn-ea"/>
-                    <a:sym typeface="+mn-lt"/>
-                  </a:rPr>
-                  <a:t>03</a:t>
-                </a:r>
-                <a:endParaRPr kumimoji="0" lang="zh-CN" altLang="en-US" b="1" i="0" u="none" strike="noStrike" kern="0" cap="none" spc="0" normalizeH="0" baseline="0" noProof="0" dirty="0">
-                  <a:ln>
-                    <a:noFill/>
-                  </a:ln>
-                  <a:solidFill>
-                    <a:sysClr val="window" lastClr="FFFFFF"/>
-                  </a:solidFill>
-                  <a:effectLst/>
-                  <a:uLnTx/>
-                  <a:uFillTx/>
-                  <a:latin typeface="微软雅黑" panose="020B0503020204020204" pitchFamily="34" charset="-122"/>
-                  <a:ea typeface="微软雅黑" panose="020B0503020204020204" pitchFamily="34" charset="-122"/>
-                  <a:cs typeface="+mn-ea"/>
-                  <a:sym typeface="+mn-lt"/>
-                </a:endParaRPr>
-              </a:p>
-            </p:txBody>
-          </p:sp>
-        </p:grpSp>
-      </p:grpSp>
-      <p:pic>
-        <p:nvPicPr>
-          <p:cNvPr id="3" name="图片 1">
-            <a:extLst>
-              <a:ext uri="{FF2B5EF4-FFF2-40B4-BE49-F238E27FC236}">
-                <a16:creationId xmlns:a16="http://schemas.microsoft.com/office/drawing/2014/main" id="{0C7A1596-E240-446A-9403-A6563EE913DA}"/>
-              </a:ext>
-            </a:extLst>
-          </p:cNvPr>
-          <p:cNvPicPr>
-            <a:picLocks noChangeAspect="1"/>
-          </p:cNvPicPr>
-          <p:nvPr/>
-        </p:nvPicPr>
-        <p:blipFill>
-          <a:blip r:embed="rId3">
-            <a:extLst>
-              <a:ext uri="{28A0092B-C50C-407E-A947-70E740481C1C}">
-                <a14:useLocalDpi xmlns:a14="http://schemas.microsoft.com/office/drawing/2010/main" val="0"/>
-              </a:ext>
-            </a:extLst>
-          </a:blip>
-          <a:stretch>
-            <a:fillRect/>
-          </a:stretch>
-        </p:blipFill>
-        <p:spPr>
-          <a:xfrm>
-            <a:off x="3338422" y="1823466"/>
-            <a:ext cx="2328299" cy="2100125"/>
-          </a:xfrm>
-          <a:prstGeom prst="rect">
-            <a:avLst/>
-          </a:prstGeom>
-        </p:spPr>
-      </p:pic>
-      <p:grpSp>
-        <p:nvGrpSpPr>
-          <p:cNvPr id="43" name="Group 81">
-            <a:extLst>
-              <a:ext uri="{FF2B5EF4-FFF2-40B4-BE49-F238E27FC236}">
-                <a16:creationId xmlns:a16="http://schemas.microsoft.com/office/drawing/2014/main" id="{F99C3ED1-825D-4734-A676-DA049D8CCB47}"/>
-              </a:ext>
-            </a:extLst>
-          </p:cNvPr>
-          <p:cNvGrpSpPr/>
-          <p:nvPr/>
-        </p:nvGrpSpPr>
-        <p:grpSpPr>
-          <a:xfrm>
-            <a:off x="3022432" y="1571255"/>
-            <a:ext cx="1118861" cy="219335"/>
-            <a:chOff x="2712812" y="1457456"/>
-            <a:chExt cx="1118923" cy="223062"/>
-          </a:xfrm>
-        </p:grpSpPr>
-        <p:cxnSp>
-          <p:nvCxnSpPr>
-            <p:cNvPr id="44" name="Straight Connector 43">
-              <a:extLst>
-                <a:ext uri="{FF2B5EF4-FFF2-40B4-BE49-F238E27FC236}">
-                  <a16:creationId xmlns:a16="http://schemas.microsoft.com/office/drawing/2014/main" id="{C438E961-7DD4-41BE-BBCA-79CD392C723F}"/>
-                </a:ext>
-              </a:extLst>
-            </p:cNvPr>
-            <p:cNvCxnSpPr/>
-            <p:nvPr/>
-          </p:nvCxnSpPr>
-          <p:spPr>
-            <a:xfrm flipH="1" flipV="1">
-              <a:off x="3592681" y="1460250"/>
-              <a:ext cx="239054" cy="220268"/>
-            </a:xfrm>
-            <a:prstGeom prst="line">
-              <a:avLst/>
-            </a:prstGeom>
-            <a:ln w="19050" cap="rnd">
-              <a:solidFill>
-                <a:srgbClr val="376092"/>
-              </a:solidFill>
-              <a:prstDash val="solid"/>
-              <a:headEnd type="oval"/>
-              <a:tailEnd type="oval"/>
-            </a:ln>
-          </p:spPr>
-          <p:style>
-            <a:lnRef idx="1">
-              <a:schemeClr val="accent1"/>
-            </a:lnRef>
-            <a:fillRef idx="0">
-              <a:schemeClr val="accent1"/>
-            </a:fillRef>
-            <a:effectRef idx="0">
-              <a:schemeClr val="accent1"/>
-            </a:effectRef>
-            <a:fontRef idx="minor">
-              <a:schemeClr val="tx1"/>
-            </a:fontRef>
-          </p:style>
-        </p:cxnSp>
-        <p:cxnSp>
-          <p:nvCxnSpPr>
-            <p:cNvPr id="45" name="Straight Connector 44">
-              <a:extLst>
-                <a:ext uri="{FF2B5EF4-FFF2-40B4-BE49-F238E27FC236}">
-                  <a16:creationId xmlns:a16="http://schemas.microsoft.com/office/drawing/2014/main" id="{B5414CDE-FEBA-4743-AFE9-4F841A178D31}"/>
-                </a:ext>
-              </a:extLst>
-            </p:cNvPr>
-            <p:cNvCxnSpPr/>
-            <p:nvPr/>
-          </p:nvCxnSpPr>
-          <p:spPr>
-            <a:xfrm rot="10800000" flipV="1">
-              <a:off x="2712812" y="1457456"/>
-              <a:ext cx="879870" cy="1615"/>
-            </a:xfrm>
-            <a:prstGeom prst="line">
-              <a:avLst/>
-            </a:prstGeom>
-            <a:ln w="19050" cap="rnd">
-              <a:solidFill>
-                <a:srgbClr val="376092"/>
-              </a:solidFill>
-              <a:prstDash val="solid"/>
-              <a:headEnd type="oval"/>
-              <a:tailEnd type="oval"/>
-            </a:ln>
-          </p:spPr>
-          <p:style>
-            <a:lnRef idx="1">
-              <a:schemeClr val="accent1"/>
-            </a:lnRef>
-            <a:fillRef idx="0">
-              <a:schemeClr val="accent1"/>
-            </a:fillRef>
-            <a:effectRef idx="0">
-              <a:schemeClr val="accent1"/>
-            </a:effectRef>
-            <a:fontRef idx="minor">
-              <a:schemeClr val="tx1"/>
-            </a:fontRef>
-          </p:style>
-        </p:cxnSp>
-      </p:grpSp>
-      <p:grpSp>
-        <p:nvGrpSpPr>
-          <p:cNvPr id="46" name="Group 81">
-            <a:extLst>
-              <a:ext uri="{FF2B5EF4-FFF2-40B4-BE49-F238E27FC236}">
-                <a16:creationId xmlns:a16="http://schemas.microsoft.com/office/drawing/2014/main" id="{C66D2CDC-A237-41A4-8507-079FD3778965}"/>
-              </a:ext>
-            </a:extLst>
-          </p:cNvPr>
-          <p:cNvGrpSpPr/>
-          <p:nvPr/>
-        </p:nvGrpSpPr>
-        <p:grpSpPr>
-          <a:xfrm flipH="1">
-            <a:off x="5204797" y="1548405"/>
-            <a:ext cx="1061258" cy="217748"/>
-            <a:chOff x="2770419" y="1459071"/>
-            <a:chExt cx="1061316" cy="221447"/>
-          </a:xfrm>
-        </p:grpSpPr>
-        <p:cxnSp>
-          <p:nvCxnSpPr>
-            <p:cNvPr id="47" name="Straight Connector 46">
-              <a:extLst>
-                <a:ext uri="{FF2B5EF4-FFF2-40B4-BE49-F238E27FC236}">
-                  <a16:creationId xmlns:a16="http://schemas.microsoft.com/office/drawing/2014/main" id="{3F0A08F7-AFF0-418B-BEBA-ABA0F27A7AEE}"/>
-                </a:ext>
-              </a:extLst>
-            </p:cNvPr>
-            <p:cNvCxnSpPr/>
-            <p:nvPr/>
-          </p:nvCxnSpPr>
-          <p:spPr>
-            <a:xfrm flipH="1" flipV="1">
-              <a:off x="3592681" y="1460250"/>
-              <a:ext cx="239054" cy="220268"/>
-            </a:xfrm>
-            <a:prstGeom prst="line">
-              <a:avLst/>
-            </a:prstGeom>
-            <a:ln w="19050" cap="rnd">
-              <a:solidFill>
-                <a:srgbClr val="376092"/>
-              </a:solidFill>
-              <a:prstDash val="solid"/>
-              <a:headEnd type="oval"/>
-              <a:tailEnd type="oval"/>
-            </a:ln>
-          </p:spPr>
-          <p:style>
-            <a:lnRef idx="1">
-              <a:schemeClr val="accent1"/>
-            </a:lnRef>
-            <a:fillRef idx="0">
-              <a:schemeClr val="accent1"/>
-            </a:fillRef>
-            <a:effectRef idx="0">
-              <a:schemeClr val="accent1"/>
-            </a:effectRef>
-            <a:fontRef idx="minor">
-              <a:schemeClr val="tx1"/>
-            </a:fontRef>
-          </p:style>
-        </p:cxnSp>
-        <p:cxnSp>
-          <p:nvCxnSpPr>
-            <p:cNvPr id="48" name="Straight Connector 47">
-              <a:extLst>
-                <a:ext uri="{FF2B5EF4-FFF2-40B4-BE49-F238E27FC236}">
-                  <a16:creationId xmlns:a16="http://schemas.microsoft.com/office/drawing/2014/main" id="{50619EF7-198A-48DB-AB4C-130C2EA83E1D}"/>
-                </a:ext>
-              </a:extLst>
-            </p:cNvPr>
-            <p:cNvCxnSpPr/>
-            <p:nvPr/>
-          </p:nvCxnSpPr>
-          <p:spPr>
-            <a:xfrm flipH="1" flipV="1">
-              <a:off x="2770419" y="1459071"/>
-              <a:ext cx="822263" cy="2"/>
-            </a:xfrm>
-            <a:prstGeom prst="line">
-              <a:avLst/>
-            </a:prstGeom>
-            <a:ln w="19050" cap="rnd">
-              <a:solidFill>
-                <a:srgbClr val="376092"/>
-              </a:solidFill>
-              <a:prstDash val="solid"/>
-              <a:headEnd type="oval"/>
-              <a:tailEnd type="oval"/>
-            </a:ln>
-          </p:spPr>
-          <p:style>
-            <a:lnRef idx="1">
-              <a:schemeClr val="accent1"/>
-            </a:lnRef>
-            <a:fillRef idx="0">
-              <a:schemeClr val="accent1"/>
-            </a:fillRef>
-            <a:effectRef idx="0">
-              <a:schemeClr val="accent1"/>
-            </a:effectRef>
-            <a:fontRef idx="minor">
-              <a:schemeClr val="tx1"/>
-            </a:fontRef>
-          </p:style>
-        </p:cxnSp>
-      </p:grpSp>
-      <p:grpSp>
-        <p:nvGrpSpPr>
-          <p:cNvPr id="49" name="Group 81">
-            <a:extLst>
-              <a:ext uri="{FF2B5EF4-FFF2-40B4-BE49-F238E27FC236}">
-                <a16:creationId xmlns:a16="http://schemas.microsoft.com/office/drawing/2014/main" id="{920DC2C1-8A9B-47DF-89E4-DE50C820AC23}"/>
-              </a:ext>
-            </a:extLst>
-          </p:cNvPr>
-          <p:cNvGrpSpPr/>
-          <p:nvPr/>
-        </p:nvGrpSpPr>
-        <p:grpSpPr>
-          <a:xfrm flipV="1">
-            <a:off x="2987824" y="3951849"/>
-            <a:ext cx="1118861" cy="219335"/>
-            <a:chOff x="2712812" y="1457456"/>
-            <a:chExt cx="1118923" cy="223062"/>
-          </a:xfrm>
-        </p:grpSpPr>
-        <p:cxnSp>
-          <p:nvCxnSpPr>
-            <p:cNvPr id="50" name="Straight Connector 37">
-              <a:extLst>
-                <a:ext uri="{FF2B5EF4-FFF2-40B4-BE49-F238E27FC236}">
-                  <a16:creationId xmlns:a16="http://schemas.microsoft.com/office/drawing/2014/main" id="{17E567C1-C1D1-48F0-8658-74254FBEA19B}"/>
-                </a:ext>
-              </a:extLst>
-            </p:cNvPr>
-            <p:cNvCxnSpPr/>
-            <p:nvPr/>
-          </p:nvCxnSpPr>
-          <p:spPr>
-            <a:xfrm flipH="1" flipV="1">
-              <a:off x="3592681" y="1460250"/>
-              <a:ext cx="239054" cy="220268"/>
-            </a:xfrm>
-            <a:prstGeom prst="line">
-              <a:avLst/>
-            </a:prstGeom>
-            <a:ln w="19050" cap="rnd">
-              <a:solidFill>
-                <a:srgbClr val="376092"/>
-              </a:solidFill>
-              <a:prstDash val="solid"/>
-              <a:headEnd type="oval"/>
-              <a:tailEnd type="oval"/>
-            </a:ln>
-          </p:spPr>
-          <p:style>
-            <a:lnRef idx="1">
-              <a:schemeClr val="accent1"/>
-            </a:lnRef>
-            <a:fillRef idx="0">
-              <a:schemeClr val="accent1"/>
-            </a:fillRef>
-            <a:effectRef idx="0">
-              <a:schemeClr val="accent1"/>
-            </a:effectRef>
-            <a:fontRef idx="minor">
-              <a:schemeClr val="tx1"/>
-            </a:fontRef>
-          </p:style>
-        </p:cxnSp>
-        <p:cxnSp>
-          <p:nvCxnSpPr>
-            <p:cNvPr id="51" name="Straight Connector 38">
-              <a:extLst>
-                <a:ext uri="{FF2B5EF4-FFF2-40B4-BE49-F238E27FC236}">
-                  <a16:creationId xmlns:a16="http://schemas.microsoft.com/office/drawing/2014/main" id="{18E85965-4CFE-40D0-9D0A-6D444D523E28}"/>
-                </a:ext>
-              </a:extLst>
-            </p:cNvPr>
-            <p:cNvCxnSpPr/>
-            <p:nvPr/>
-          </p:nvCxnSpPr>
-          <p:spPr>
-            <a:xfrm rot="10800000" flipV="1">
-              <a:off x="2712812" y="1457456"/>
-              <a:ext cx="879870" cy="1615"/>
-            </a:xfrm>
-            <a:prstGeom prst="line">
-              <a:avLst/>
-            </a:prstGeom>
-            <a:ln w="19050" cap="rnd">
-              <a:solidFill>
-                <a:srgbClr val="376092"/>
-              </a:solidFill>
-              <a:prstDash val="solid"/>
-              <a:headEnd type="oval"/>
-              <a:tailEnd type="oval"/>
-            </a:ln>
-          </p:spPr>
-          <p:style>
-            <a:lnRef idx="1">
-              <a:schemeClr val="accent1"/>
-            </a:lnRef>
-            <a:fillRef idx="0">
-              <a:schemeClr val="accent1"/>
-            </a:fillRef>
-            <a:effectRef idx="0">
-              <a:schemeClr val="accent1"/>
-            </a:effectRef>
-            <a:fontRef idx="minor">
-              <a:schemeClr val="tx1"/>
-            </a:fontRef>
-          </p:style>
-        </p:cxnSp>
-      </p:grpSp>
-      <p:grpSp>
-        <p:nvGrpSpPr>
-          <p:cNvPr id="52" name="Group 81">
-            <a:extLst>
-              <a:ext uri="{FF2B5EF4-FFF2-40B4-BE49-F238E27FC236}">
-                <a16:creationId xmlns:a16="http://schemas.microsoft.com/office/drawing/2014/main" id="{0CD03DE4-5B18-4E4E-9806-7F3159209597}"/>
-              </a:ext>
-            </a:extLst>
-          </p:cNvPr>
-          <p:cNvGrpSpPr/>
-          <p:nvPr/>
-        </p:nvGrpSpPr>
-        <p:grpSpPr>
-          <a:xfrm flipH="1" flipV="1">
-            <a:off x="5113740" y="3952642"/>
-            <a:ext cx="1061258" cy="217748"/>
-            <a:chOff x="2770419" y="1459071"/>
-            <a:chExt cx="1061316" cy="221447"/>
-          </a:xfrm>
-        </p:grpSpPr>
-        <p:cxnSp>
-          <p:nvCxnSpPr>
-            <p:cNvPr id="67" name="Straight Connector 40">
-              <a:extLst>
-                <a:ext uri="{FF2B5EF4-FFF2-40B4-BE49-F238E27FC236}">
-                  <a16:creationId xmlns:a16="http://schemas.microsoft.com/office/drawing/2014/main" id="{D9245534-50CD-4DDA-8F01-F9EC0B6B92B7}"/>
-                </a:ext>
-              </a:extLst>
-            </p:cNvPr>
-            <p:cNvCxnSpPr/>
-            <p:nvPr/>
-          </p:nvCxnSpPr>
-          <p:spPr>
-            <a:xfrm flipH="1" flipV="1">
-              <a:off x="3592681" y="1460250"/>
-              <a:ext cx="239054" cy="220268"/>
-            </a:xfrm>
-            <a:prstGeom prst="line">
-              <a:avLst/>
-            </a:prstGeom>
-            <a:ln w="19050" cap="rnd">
-              <a:solidFill>
-                <a:srgbClr val="376092"/>
-              </a:solidFill>
-              <a:prstDash val="solid"/>
-              <a:headEnd type="oval"/>
-              <a:tailEnd type="oval"/>
-            </a:ln>
-          </p:spPr>
-          <p:style>
-            <a:lnRef idx="1">
-              <a:schemeClr val="accent1"/>
-            </a:lnRef>
-            <a:fillRef idx="0">
-              <a:schemeClr val="accent1"/>
-            </a:fillRef>
-            <a:effectRef idx="0">
-              <a:schemeClr val="accent1"/>
-            </a:effectRef>
-            <a:fontRef idx="minor">
-              <a:schemeClr val="tx1"/>
-            </a:fontRef>
-          </p:style>
-        </p:cxnSp>
-        <p:cxnSp>
-          <p:nvCxnSpPr>
-            <p:cNvPr id="68" name="Straight Connector 41">
-              <a:extLst>
-                <a:ext uri="{FF2B5EF4-FFF2-40B4-BE49-F238E27FC236}">
-                  <a16:creationId xmlns:a16="http://schemas.microsoft.com/office/drawing/2014/main" id="{6CEF7C69-CAA2-4DB2-9570-513FA655B90C}"/>
-                </a:ext>
-              </a:extLst>
-            </p:cNvPr>
-            <p:cNvCxnSpPr/>
-            <p:nvPr/>
-          </p:nvCxnSpPr>
-          <p:spPr>
-            <a:xfrm flipH="1" flipV="1">
-              <a:off x="2770419" y="1459071"/>
-              <a:ext cx="822263" cy="2"/>
-            </a:xfrm>
-            <a:prstGeom prst="line">
-              <a:avLst/>
-            </a:prstGeom>
-            <a:ln w="19050" cap="rnd">
-              <a:solidFill>
-                <a:srgbClr val="376092"/>
-              </a:solidFill>
-              <a:prstDash val="solid"/>
-              <a:headEnd type="oval"/>
-              <a:tailEnd type="oval"/>
-            </a:ln>
-          </p:spPr>
-          <p:style>
-            <a:lnRef idx="1">
-              <a:schemeClr val="accent1"/>
-            </a:lnRef>
-            <a:fillRef idx="0">
-              <a:schemeClr val="accent1"/>
-            </a:fillRef>
-            <a:effectRef idx="0">
-              <a:schemeClr val="accent1"/>
-            </a:effectRef>
-            <a:fontRef idx="minor">
-              <a:schemeClr val="tx1"/>
-            </a:fontRef>
-          </p:style>
-        </p:cxnSp>
-      </p:grpSp>
-    </p:spTree>
-    <p:extLst>
-      <p:ext uri="{BB962C8B-B14F-4D97-AF65-F5344CB8AC3E}">
-        <p14:creationId xmlns:p14="http://schemas.microsoft.com/office/powerpoint/2010/main" val="2731388331"/>
-      </p:ext>
-    </p:extLst>
-  </p:cSld>
-  <p:clrMapOvr>
-    <a:masterClrMapping/>
-  </p:clrMapOvr>
-  <mc:AlternateContent xmlns:mc="http://schemas.openxmlformats.org/markup-compatibility/2006">
-    <mc:Choice xmlns:p14="http://schemas.microsoft.com/office/powerpoint/2010/main" Requires="p14">
-      <p:transition spd="slow" p14:dur="1600">
-        <p14:gallery dir="l"/>
-      </p:transition>
-    </mc:Choice>
-    <mc:Fallback>
-      <p:transition spd="slow">
-        <p:fade/>
-      </p:transition>
-    </mc:Fallback>
-  </mc:AlternateContent>
-  <p:timing>
-    <p:tnLst>
-      <p:par>
-        <p:cTn id="1" dur="indefinite" restart="never" nodeType="tmRoot">
-          <p:childTnLst>
-            <p:seq concurrent="1" nextAc="seek">
-              <p:cTn id="2" dur="indefinite" nodeType="mainSeq">
-                <p:childTnLst>
-                  <p:par>
-                    <p:cTn id="3" fill="hold">
-                      <p:stCondLst>
-                        <p:cond delay="indefinite"/>
-                        <p:cond evt="onBegin" delay="0">
-                          <p:tn val="2"/>
-                        </p:cond>
-                      </p:stCondLst>
-                      <p:childTnLst>
-                        <p:par>
-                          <p:cTn id="4" fill="hold">
-                            <p:stCondLst>
-                              <p:cond delay="0"/>
-                            </p:stCondLst>
-                            <p:childTnLst>
-                              <p:par>
-                                <p:cTn id="5" presetID="22" presetClass="entr" presetSubtype="2" fill="hold" nodeType="afterEffect">
-                                  <p:stCondLst>
-                                    <p:cond delay="0"/>
-                                  </p:stCondLst>
-                                  <p:childTnLst>
-                                    <p:set>
-                                      <p:cBhvr>
-                                        <p:cTn id="6" dur="1" fill="hold">
-                                          <p:stCondLst>
-                                            <p:cond delay="0"/>
-                                          </p:stCondLst>
-                                        </p:cTn>
-                                        <p:tgtEl>
-                                          <p:spTgt spid="29"/>
-                                        </p:tgtEl>
-                                        <p:attrNameLst>
-                                          <p:attrName>style.visibility</p:attrName>
-                                        </p:attrNameLst>
-                                      </p:cBhvr>
-                                      <p:to>
-                                        <p:strVal val="visible"/>
-                                      </p:to>
-                                    </p:set>
-                                    <p:animEffect transition="in" filter="wipe(right)">
-                                      <p:cBhvr>
-                                        <p:cTn id="7" dur="500"/>
-                                        <p:tgtEl>
-                                          <p:spTgt spid="29"/>
-                                        </p:tgtEl>
-                                      </p:cBhvr>
-                                    </p:animEffect>
-                                  </p:childTnLst>
-                                </p:cTn>
-                              </p:par>
-                            </p:childTnLst>
-                          </p:cTn>
-                        </p:par>
-                        <p:par>
-                          <p:cTn id="8" fill="hold">
-                            <p:stCondLst>
-                              <p:cond delay="500"/>
-                            </p:stCondLst>
-                            <p:childTnLst>
-                              <p:par>
-                                <p:cTn id="9" presetID="22" presetClass="entr" presetSubtype="8" fill="hold" nodeType="afterEffect">
-                                  <p:stCondLst>
-                                    <p:cond delay="0"/>
-                                  </p:stCondLst>
-                                  <p:childTnLst>
-                                    <p:set>
-                                      <p:cBhvr>
-                                        <p:cTn id="10" dur="1" fill="hold">
-                                          <p:stCondLst>
-                                            <p:cond delay="0"/>
-                                          </p:stCondLst>
-                                        </p:cTn>
-                                        <p:tgtEl>
-                                          <p:spTgt spid="35"/>
-                                        </p:tgtEl>
-                                        <p:attrNameLst>
-                                          <p:attrName>style.visibility</p:attrName>
-                                        </p:attrNameLst>
-                                      </p:cBhvr>
-                                      <p:to>
-                                        <p:strVal val="visible"/>
-                                      </p:to>
-                                    </p:set>
-                                    <p:animEffect transition="in" filter="wipe(left)">
-                                      <p:cBhvr>
-                                        <p:cTn id="11" dur="500"/>
-                                        <p:tgtEl>
-                                          <p:spTgt spid="35"/>
-                                        </p:tgtEl>
-                                      </p:cBhvr>
-                                    </p:animEffect>
-                                  </p:childTnLst>
-                                </p:cTn>
-                              </p:par>
-                            </p:childTnLst>
-                          </p:cTn>
-                        </p:par>
-                        <p:par>
-                          <p:cTn id="12" fill="hold">
-                            <p:stCondLst>
-                              <p:cond delay="1000"/>
-                            </p:stCondLst>
-                            <p:childTnLst>
-                              <p:par>
-                                <p:cTn id="13" presetID="22" presetClass="entr" presetSubtype="2" fill="hold" nodeType="afterEffect">
-                                  <p:stCondLst>
-                                    <p:cond delay="0"/>
-                                  </p:stCondLst>
-                                  <p:childTnLst>
-                                    <p:set>
-                                      <p:cBhvr>
-                                        <p:cTn id="14" dur="1" fill="hold">
-                                          <p:stCondLst>
-                                            <p:cond delay="0"/>
-                                          </p:stCondLst>
-                                        </p:cTn>
-                                        <p:tgtEl>
-                                          <p:spTgt spid="32"/>
-                                        </p:tgtEl>
-                                        <p:attrNameLst>
-                                          <p:attrName>style.visibility</p:attrName>
-                                        </p:attrNameLst>
-                                      </p:cBhvr>
-                                      <p:to>
-                                        <p:strVal val="visible"/>
-                                      </p:to>
-                                    </p:set>
-                                    <p:animEffect transition="in" filter="wipe(right)">
-                                      <p:cBhvr>
-                                        <p:cTn id="15" dur="500"/>
-                                        <p:tgtEl>
-                                          <p:spTgt spid="32"/>
-                                        </p:tgtEl>
-                                      </p:cBhvr>
-                                    </p:animEffect>
-                                  </p:childTnLst>
-                                </p:cTn>
-                              </p:par>
-                            </p:childTnLst>
-                          </p:cTn>
-                        </p:par>
-                        <p:par>
-                          <p:cTn id="16" fill="hold">
-                            <p:stCondLst>
-                              <p:cond delay="1500"/>
-                            </p:stCondLst>
-                            <p:childTnLst>
-                              <p:par>
-                                <p:cTn id="17" presetID="22" presetClass="entr" presetSubtype="8" fill="hold" nodeType="afterEffect">
-                                  <p:stCondLst>
-                                    <p:cond delay="0"/>
-                                  </p:stCondLst>
-                                  <p:childTnLst>
-                                    <p:set>
-                                      <p:cBhvr>
-                                        <p:cTn id="18" dur="1" fill="hold">
-                                          <p:stCondLst>
-                                            <p:cond delay="0"/>
-                                          </p:stCondLst>
-                                        </p:cTn>
-                                        <p:tgtEl>
-                                          <p:spTgt spid="38"/>
-                                        </p:tgtEl>
-                                        <p:attrNameLst>
-                                          <p:attrName>style.visibility</p:attrName>
-                                        </p:attrNameLst>
-                                      </p:cBhvr>
-                                      <p:to>
-                                        <p:strVal val="visible"/>
-                                      </p:to>
-                                    </p:set>
-                                    <p:animEffect transition="in" filter="wipe(left)">
-                                      <p:cBhvr>
-                                        <p:cTn id="19" dur="500"/>
-                                        <p:tgtEl>
-                                          <p:spTgt spid="38"/>
-                                        </p:tgtEl>
-                                      </p:cBhvr>
-                                    </p:animEffect>
-                                  </p:childTnLst>
-                                </p:cTn>
-                              </p:par>
-                            </p:childTnLst>
-                          </p:cTn>
-                        </p:par>
-                        <p:par>
-                          <p:cTn id="20" fill="hold">
-                            <p:stCondLst>
-                              <p:cond delay="2000"/>
-                            </p:stCondLst>
-                            <p:childTnLst>
-                              <p:par>
-                                <p:cTn id="21" presetID="22" presetClass="entr" presetSubtype="2" fill="hold" nodeType="afterEffect">
-                                  <p:stCondLst>
-                                    <p:cond delay="0"/>
-                                  </p:stCondLst>
-                                  <p:childTnLst>
-                                    <p:set>
-                                      <p:cBhvr>
-                                        <p:cTn id="22" dur="1" fill="hold">
-                                          <p:stCondLst>
-                                            <p:cond delay="0"/>
-                                          </p:stCondLst>
-                                        </p:cTn>
-                                        <p:tgtEl>
-                                          <p:spTgt spid="43"/>
-                                        </p:tgtEl>
-                                        <p:attrNameLst>
-                                          <p:attrName>style.visibility</p:attrName>
-                                        </p:attrNameLst>
-                                      </p:cBhvr>
-                                      <p:to>
-                                        <p:strVal val="visible"/>
-                                      </p:to>
-                                    </p:set>
-                                    <p:animEffect transition="in" filter="wipe(right)">
-                                      <p:cBhvr>
-                                        <p:cTn id="23" dur="500"/>
-                                        <p:tgtEl>
-                                          <p:spTgt spid="43"/>
-                                        </p:tgtEl>
-                                      </p:cBhvr>
-                                    </p:animEffect>
-                                  </p:childTnLst>
-                                </p:cTn>
-                              </p:par>
-                            </p:childTnLst>
-                          </p:cTn>
-                        </p:par>
-                        <p:par>
-                          <p:cTn id="24" fill="hold">
-                            <p:stCondLst>
-                              <p:cond delay="2500"/>
-                            </p:stCondLst>
-                            <p:childTnLst>
-                              <p:par>
-                                <p:cTn id="25" presetID="22" presetClass="entr" presetSubtype="8" fill="hold" nodeType="afterEffect">
-                                  <p:stCondLst>
-                                    <p:cond delay="0"/>
-                                  </p:stCondLst>
-                                  <p:childTnLst>
-                                    <p:set>
-                                      <p:cBhvr>
-                                        <p:cTn id="26" dur="1" fill="hold">
-                                          <p:stCondLst>
-                                            <p:cond delay="0"/>
-                                          </p:stCondLst>
-                                        </p:cTn>
-                                        <p:tgtEl>
-                                          <p:spTgt spid="46"/>
-                                        </p:tgtEl>
-                                        <p:attrNameLst>
-                                          <p:attrName>style.visibility</p:attrName>
-                                        </p:attrNameLst>
-                                      </p:cBhvr>
-                                      <p:to>
-                                        <p:strVal val="visible"/>
-                                      </p:to>
-                                    </p:set>
-                                    <p:animEffect transition="in" filter="wipe(left)">
-                                      <p:cBhvr>
-                                        <p:cTn id="27" dur="500"/>
-                                        <p:tgtEl>
-                                          <p:spTgt spid="46"/>
-                                        </p:tgtEl>
-                                      </p:cBhvr>
-                                    </p:animEffect>
-                                  </p:childTnLst>
-                                </p:cTn>
-                              </p:par>
-                            </p:childTnLst>
-                          </p:cTn>
-                        </p:par>
-                        <p:par>
-                          <p:cTn id="28" fill="hold">
-                            <p:stCondLst>
-                              <p:cond delay="3000"/>
-                            </p:stCondLst>
-                            <p:childTnLst>
-                              <p:par>
-                                <p:cTn id="29" presetID="22" presetClass="entr" presetSubtype="2" fill="hold" nodeType="afterEffect">
-                                  <p:stCondLst>
-                                    <p:cond delay="0"/>
-                                  </p:stCondLst>
-                                  <p:childTnLst>
-                                    <p:set>
-                                      <p:cBhvr>
-                                        <p:cTn id="30" dur="1" fill="hold">
-                                          <p:stCondLst>
-                                            <p:cond delay="0"/>
-                                          </p:stCondLst>
-                                        </p:cTn>
-                                        <p:tgtEl>
-                                          <p:spTgt spid="49"/>
-                                        </p:tgtEl>
-                                        <p:attrNameLst>
-                                          <p:attrName>style.visibility</p:attrName>
-                                        </p:attrNameLst>
-                                      </p:cBhvr>
-                                      <p:to>
-                                        <p:strVal val="visible"/>
-                                      </p:to>
-                                    </p:set>
-                                    <p:animEffect transition="in" filter="wipe(right)">
-                                      <p:cBhvr>
-                                        <p:cTn id="31" dur="500"/>
-                                        <p:tgtEl>
-                                          <p:spTgt spid="49"/>
-                                        </p:tgtEl>
-                                      </p:cBhvr>
-                                    </p:animEffect>
-                                  </p:childTnLst>
-                                </p:cTn>
-                              </p:par>
-                            </p:childTnLst>
-                          </p:cTn>
-                        </p:par>
-                        <p:par>
-                          <p:cTn id="32" fill="hold">
-                            <p:stCondLst>
-                              <p:cond delay="3500"/>
-                            </p:stCondLst>
-                            <p:childTnLst>
-                              <p:par>
-                                <p:cTn id="33" presetID="22" presetClass="entr" presetSubtype="8" fill="hold" nodeType="afterEffect">
-                                  <p:stCondLst>
-                                    <p:cond delay="0"/>
-                                  </p:stCondLst>
-                                  <p:childTnLst>
-                                    <p:set>
-                                      <p:cBhvr>
-                                        <p:cTn id="34" dur="1" fill="hold">
-                                          <p:stCondLst>
-                                            <p:cond delay="0"/>
-                                          </p:stCondLst>
-                                        </p:cTn>
-                                        <p:tgtEl>
-                                          <p:spTgt spid="52"/>
-                                        </p:tgtEl>
-                                        <p:attrNameLst>
-                                          <p:attrName>style.visibility</p:attrName>
-                                        </p:attrNameLst>
-                                      </p:cBhvr>
-                                      <p:to>
-                                        <p:strVal val="visible"/>
-                                      </p:to>
-                                    </p:set>
-                                    <p:animEffect transition="in" filter="wipe(left)">
-                                      <p:cBhvr>
-                                        <p:cTn id="35" dur="500"/>
-                                        <p:tgtEl>
-                                          <p:spTgt spid="52"/>
-                                        </p:tgtEl>
-                                      </p:cBhvr>
-                                    </p:animEffect>
-                                  </p:childTnLst>
-                                </p:cTn>
-                              </p:par>
-                            </p:childTnLst>
-                          </p:cTn>
-                        </p:par>
-                      </p:childTnLst>
-                    </p:cTn>
-                  </p:par>
-                </p:childTnLst>
-              </p:cTn>
-              <p:prevCondLst>
-                <p:cond evt="onPrev" delay="0">
-                  <p:tgtEl>
-                    <p:sldTgt/>
-                  </p:tgtEl>
-                </p:cond>
-              </p:prevCondLst>
-              <p:nextCondLst>
-                <p:cond evt="onNext" delay="0">
-                  <p:tgtEl>
-                    <p:sldTgt/>
-                  </p:tgtEl>
-                </p:cond>
-              </p:nextCondLst>
-            </p:seq>
-          </p:childTnLst>
-        </p:cTn>
-      </p:par>
-    </p:tnLst>
-  </p:timing>
-</p:sld>
-</file>
-
-<file path=ppt/slides/slide8.xml><?xml version="1.0" encoding="utf-8"?>
-<p:sld xmlns:a="http://schemas.openxmlformats.org/drawingml/2006/main" xmlns:r="http://schemas.openxmlformats.org/officeDocument/2006/relationships" xmlns:p="http://schemas.openxmlformats.org/presentationml/2006/main">
-  <p:cSld>
-    <p:spTree>
-      <p:nvGrpSpPr>
-        <p:cNvPr id="1" name=""/>
-        <p:cNvGrpSpPr/>
-        <p:nvPr/>
-      </p:nvGrpSpPr>
-      <p:grpSpPr>
-        <a:xfrm>
-          <a:off x="0" y="0"/>
-          <a:ext cx="0" cy="0"/>
-          <a:chOff x="0" y="0"/>
-          <a:chExt cx="0" cy="0"/>
-        </a:xfrm>
-      </p:grpSpPr>
       <p:sp>
         <p:nvSpPr>
           <p:cNvPr id="24" name="圆角矩形 23"/>
@@ -34033,8 +31589,8 @@
       </p:transition>
     </mc:Fallback>
   </mc:AlternateContent>
-  <mc:AlternateContent xmlns:mc="http://schemas.openxmlformats.org/markup-compatibility/2006">
-    <mc:Choice xmlns:p14="http://schemas.microsoft.com/office/powerpoint/2010/main" Requires="p14">
+  <mc:AlternateContent xmlns:mc="http://schemas.openxmlformats.org/markup-compatibility/2006" xmlns:p14="http://schemas.microsoft.com/office/powerpoint/2010/main">
+    <mc:Choice Requires="p14">
       <p:timing>
         <p:tnLst>
           <p:par>
@@ -36034,7 +33590,7 @@
         </p:bldLst>
       </p:timing>
     </mc:Choice>
-    <mc:Fallback>
+    <mc:Fallback xmlns="">
       <p:timing>
         <p:tnLst>
           <p:par>
